--- a/ITI/TF/Volume1/media/Figure_10.3-2.pptx
+++ b/ITI/TF/Volume1/media/Figure_10.3-2.pptx
@@ -104,6 +104,11 @@
       </a:defRPr>
     </a:lvl9pPr>
   </p:defaultTextStyle>
+  <p:extLst>
+    <p:ext uri="{EFAFB233-063F-42B5-8137-9DF3F51BA10A}">
+      <p15:sldGuideLst xmlns:p15="http://schemas.microsoft.com/office/powerpoint/2012/main"/>
+    </p:ext>
+  </p:extLst>
 </p:presentation>
 </file>
 
@@ -254,7 +259,7 @@
           <a:p>
             <a:fld id="{DA2743A0-7BBA-6440-8FCE-C884DCC1C920}" type="datetimeFigureOut">
               <a:rPr lang="en-US" smtClean="0"/>
-              <a:t>8/10/20</a:t>
+              <a:t>8/25/20</a:t>
             </a:fld>
             <a:endParaRPr lang="en-US"/>
           </a:p>
@@ -452,7 +457,7 @@
           <a:p>
             <a:fld id="{DA2743A0-7BBA-6440-8FCE-C884DCC1C920}" type="datetimeFigureOut">
               <a:rPr lang="en-US" smtClean="0"/>
-              <a:t>8/10/20</a:t>
+              <a:t>8/25/20</a:t>
             </a:fld>
             <a:endParaRPr lang="en-US"/>
           </a:p>
@@ -660,7 +665,7 @@
           <a:p>
             <a:fld id="{DA2743A0-7BBA-6440-8FCE-C884DCC1C920}" type="datetimeFigureOut">
               <a:rPr lang="en-US" smtClean="0"/>
-              <a:t>8/10/20</a:t>
+              <a:t>8/25/20</a:t>
             </a:fld>
             <a:endParaRPr lang="en-US"/>
           </a:p>
@@ -858,7 +863,7 @@
           <a:p>
             <a:fld id="{DA2743A0-7BBA-6440-8FCE-C884DCC1C920}" type="datetimeFigureOut">
               <a:rPr lang="en-US" smtClean="0"/>
-              <a:t>8/10/20</a:t>
+              <a:t>8/25/20</a:t>
             </a:fld>
             <a:endParaRPr lang="en-US"/>
           </a:p>
@@ -1133,7 +1138,7 @@
           <a:p>
             <a:fld id="{DA2743A0-7BBA-6440-8FCE-C884DCC1C920}" type="datetimeFigureOut">
               <a:rPr lang="en-US" smtClean="0"/>
-              <a:t>8/10/20</a:t>
+              <a:t>8/25/20</a:t>
             </a:fld>
             <a:endParaRPr lang="en-US"/>
           </a:p>
@@ -1398,7 +1403,7 @@
           <a:p>
             <a:fld id="{DA2743A0-7BBA-6440-8FCE-C884DCC1C920}" type="datetimeFigureOut">
               <a:rPr lang="en-US" smtClean="0"/>
-              <a:t>8/10/20</a:t>
+              <a:t>8/25/20</a:t>
             </a:fld>
             <a:endParaRPr lang="en-US"/>
           </a:p>
@@ -1810,7 +1815,7 @@
           <a:p>
             <a:fld id="{DA2743A0-7BBA-6440-8FCE-C884DCC1C920}" type="datetimeFigureOut">
               <a:rPr lang="en-US" smtClean="0"/>
-              <a:t>8/10/20</a:t>
+              <a:t>8/25/20</a:t>
             </a:fld>
             <a:endParaRPr lang="en-US"/>
           </a:p>
@@ -1951,7 +1956,7 @@
           <a:p>
             <a:fld id="{DA2743A0-7BBA-6440-8FCE-C884DCC1C920}" type="datetimeFigureOut">
               <a:rPr lang="en-US" smtClean="0"/>
-              <a:t>8/10/20</a:t>
+              <a:t>8/25/20</a:t>
             </a:fld>
             <a:endParaRPr lang="en-US"/>
           </a:p>
@@ -2064,7 +2069,7 @@
           <a:p>
             <a:fld id="{DA2743A0-7BBA-6440-8FCE-C884DCC1C920}" type="datetimeFigureOut">
               <a:rPr lang="en-US" smtClean="0"/>
-              <a:t>8/10/20</a:t>
+              <a:t>8/25/20</a:t>
             </a:fld>
             <a:endParaRPr lang="en-US"/>
           </a:p>
@@ -2375,7 +2380,7 @@
           <a:p>
             <a:fld id="{DA2743A0-7BBA-6440-8FCE-C884DCC1C920}" type="datetimeFigureOut">
               <a:rPr lang="en-US" smtClean="0"/>
-              <a:t>8/10/20</a:t>
+              <a:t>8/25/20</a:t>
             </a:fld>
             <a:endParaRPr lang="en-US"/>
           </a:p>
@@ -2663,7 +2668,7 @@
           <a:p>
             <a:fld id="{DA2743A0-7BBA-6440-8FCE-C884DCC1C920}" type="datetimeFigureOut">
               <a:rPr lang="en-US" smtClean="0"/>
-              <a:t>8/10/20</a:t>
+              <a:t>8/25/20</a:t>
             </a:fld>
             <a:endParaRPr lang="en-US"/>
           </a:p>
@@ -2904,7 +2909,7 @@
           <a:p>
             <a:fld id="{DA2743A0-7BBA-6440-8FCE-C884DCC1C920}" type="datetimeFigureOut">
               <a:rPr lang="en-US" smtClean="0"/>
-              <a:t>8/10/20</a:t>
+              <a:t>8/25/20</a:t>
             </a:fld>
             <a:endParaRPr lang="en-US"/>
           </a:p>
@@ -3337,8 +3342,8 @@
         </p:nvSpPr>
         <p:spPr bwMode="auto">
           <a:xfrm flipH="1">
-            <a:off x="5019675" y="457200"/>
-            <a:ext cx="0" cy="1649413"/>
+            <a:off x="4995861" y="278783"/>
+            <a:ext cx="31287" cy="2642813"/>
           </a:xfrm>
           <a:prstGeom prst="line">
             <a:avLst/>
@@ -3389,8 +3394,8 @@
         </p:nvSpPr>
         <p:spPr bwMode="auto">
           <a:xfrm>
-            <a:off x="0" y="457200"/>
-            <a:ext cx="5830888" cy="2746375"/>
+            <a:off x="0" y="78062"/>
+            <a:ext cx="5898995" cy="3421642"/>
           </a:xfrm>
           <a:prstGeom prst="rect">
             <a:avLst/>
@@ -3442,8 +3447,8 @@
         </p:nvSpPr>
         <p:spPr bwMode="auto">
           <a:xfrm>
-            <a:off x="2914650" y="457200"/>
-            <a:ext cx="1284288" cy="549275"/>
+            <a:off x="2775260" y="100363"/>
+            <a:ext cx="1512886" cy="549275"/>
           </a:xfrm>
           <a:prstGeom prst="rect">
             <a:avLst/>
@@ -3561,8 +3566,8 @@
         </p:nvSpPr>
         <p:spPr bwMode="auto">
           <a:xfrm>
-            <a:off x="1477963" y="457200"/>
-            <a:ext cx="1084262" cy="338138"/>
+            <a:off x="1332998" y="111513"/>
+            <a:ext cx="1333497" cy="356833"/>
           </a:xfrm>
           <a:prstGeom prst="rect">
             <a:avLst/>
@@ -3611,7 +3616,7 @@
               <a:tabLst/>
             </a:pPr>
             <a:r>
-              <a:rPr kumimoji="0" lang="fr-FR" altLang="en-US" sz="900" b="0" i="0" u="none" strike="noStrike" cap="none" normalizeH="0" baseline="0">
+              <a:rPr kumimoji="0" lang="fr-FR" altLang="en-US" sz="900" b="0" i="0" u="none" strike="noStrike" cap="none" normalizeH="0" baseline="0" dirty="0">
                 <a:ln>
                   <a:noFill/>
                 </a:ln>
@@ -3625,7 +3630,7 @@
               <a:t>Document Source: </a:t>
             </a:r>
             <a:br>
-              <a:rPr kumimoji="0" lang="fr-FR" altLang="en-US" sz="900" b="0" i="0" u="none" strike="noStrike" cap="none" normalizeH="0" baseline="0">
+              <a:rPr kumimoji="0" lang="fr-FR" altLang="en-US" sz="900" b="0" i="0" u="none" strike="noStrike" cap="none" normalizeH="0" baseline="0" dirty="0">
                 <a:ln>
                   <a:noFill/>
                 </a:ln>
@@ -3638,7 +3643,7 @@
               </a:rPr>
             </a:br>
             <a:r>
-              <a:rPr kumimoji="0" lang="fr-FR" altLang="en-US" sz="900" b="0" i="1" u="none" strike="noStrike" cap="none" normalizeH="0" baseline="0">
+              <a:rPr kumimoji="0" lang="fr-FR" altLang="en-US" sz="900" b="0" i="1" u="none" strike="noStrike" cap="none" normalizeH="0" baseline="0" dirty="0">
                 <a:ln>
                   <a:noFill/>
                 </a:ln>
@@ -3651,7 +3656,7 @@
               </a:rPr>
               <a:t>(PCP EHR-CR)</a:t>
             </a:r>
-            <a:endParaRPr kumimoji="0" lang="fr-FR" altLang="en-US" sz="1800" b="0" i="0" u="none" strike="noStrike" cap="none" normalizeH="0" baseline="0">
+            <a:endParaRPr kumimoji="0" lang="fr-FR" altLang="en-US" sz="1800" b="0" i="0" u="none" strike="noStrike" cap="none" normalizeH="0" baseline="0" dirty="0">
               <a:ln>
                 <a:noFill/>
               </a:ln>
@@ -3680,8 +3685,8 @@
         </p:nvSpPr>
         <p:spPr bwMode="auto">
           <a:xfrm>
-            <a:off x="4416425" y="457200"/>
-            <a:ext cx="1231900" cy="549275"/>
+            <a:off x="4257346" y="89213"/>
+            <a:ext cx="1333497" cy="379138"/>
           </a:xfrm>
           <a:prstGeom prst="rect">
             <a:avLst/>
@@ -3730,7 +3735,7 @@
               <a:tabLst/>
             </a:pPr>
             <a:r>
-              <a:rPr kumimoji="0" lang="en-US" altLang="en-US" sz="900" b="0" i="0" u="none" strike="noStrike" cap="none" normalizeH="0" baseline="0">
+              <a:rPr kumimoji="0" lang="en-US" altLang="en-US" sz="900" b="0" i="0" u="none" strike="noStrike" cap="none" normalizeH="0" baseline="0" dirty="0">
                 <a:ln>
                   <a:noFill/>
                 </a:ln>
@@ -3744,7 +3749,7 @@
               <a:t>Document Registry: </a:t>
             </a:r>
             <a:r>
-              <a:rPr kumimoji="0" lang="en-US" altLang="en-US" sz="900" b="0" i="1" u="none" strike="noStrike" cap="none" normalizeH="0" baseline="0">
+              <a:rPr kumimoji="0" lang="en-US" altLang="en-US" sz="900" b="0" i="1" u="none" strike="noStrike" cap="none" normalizeH="0" baseline="0" dirty="0">
                 <a:ln>
                   <a:noFill/>
                 </a:ln>
@@ -3757,7 +3762,7 @@
               </a:rPr>
               <a:t>(Cardiology Network)</a:t>
             </a:r>
-            <a:endParaRPr kumimoji="0" lang="en-US" altLang="en-US" sz="1800" b="0" i="0" u="none" strike="noStrike" cap="none" normalizeH="0" baseline="0">
+            <a:endParaRPr kumimoji="0" lang="en-US" altLang="en-US" sz="1800" b="0" i="0" u="none" strike="noStrike" cap="none" normalizeH="0" baseline="0" dirty="0">
               <a:ln>
                 <a:noFill/>
               </a:ln>
@@ -3786,8 +3791,8 @@
         </p:nvSpPr>
         <p:spPr bwMode="auto">
           <a:xfrm flipH="1">
-            <a:off x="2014538" y="457200"/>
-            <a:ext cx="0" cy="1649413"/>
+            <a:off x="1995489" y="457200"/>
+            <a:ext cx="19049" cy="2464403"/>
           </a:xfrm>
           <a:prstGeom prst="line">
             <a:avLst/>
@@ -3837,9 +3842,9 @@
           <p:nvPr/>
         </p:nvSpPr>
         <p:spPr bwMode="auto">
-          <a:xfrm>
-            <a:off x="3562350" y="457200"/>
-            <a:ext cx="0" cy="1649413"/>
+          <a:xfrm flipH="1">
+            <a:off x="3532187" y="457200"/>
+            <a:ext cx="30163" cy="2464401"/>
           </a:xfrm>
           <a:prstGeom prst="line">
             <a:avLst/>
@@ -3890,7 +3895,7 @@
         </p:nvSpPr>
         <p:spPr bwMode="auto">
           <a:xfrm>
-            <a:off x="1955800" y="457200"/>
+            <a:off x="1955800" y="2007219"/>
             <a:ext cx="114300" cy="685800"/>
           </a:xfrm>
           <a:prstGeom prst="rect">
@@ -3936,7 +3941,7 @@
         </p:nvSpPr>
         <p:spPr bwMode="auto">
           <a:xfrm>
-            <a:off x="3502025" y="457200"/>
+            <a:off x="3502025" y="2196784"/>
             <a:ext cx="114300" cy="546100"/>
           </a:xfrm>
           <a:prstGeom prst="rect">
@@ -3982,7 +3987,7 @@
         </p:nvSpPr>
         <p:spPr bwMode="auto">
           <a:xfrm>
-            <a:off x="4954588" y="457200"/>
+            <a:off x="4954588" y="1170876"/>
             <a:ext cx="114300" cy="280988"/>
           </a:xfrm>
           <a:prstGeom prst="rect">
@@ -4028,7 +4033,7 @@
         </p:nvSpPr>
         <p:spPr bwMode="auto">
           <a:xfrm>
-            <a:off x="2070100" y="457200"/>
+            <a:off x="2070100" y="2453267"/>
             <a:ext cx="1409700" cy="1588"/>
           </a:xfrm>
           <a:prstGeom prst="line">
@@ -4079,8 +4084,8 @@
         </p:nvSpPr>
         <p:spPr bwMode="auto">
           <a:xfrm>
-            <a:off x="2255838" y="457200"/>
-            <a:ext cx="1050925" cy="342900"/>
+            <a:off x="2166630" y="2074121"/>
+            <a:ext cx="1309688" cy="342900"/>
           </a:xfrm>
           <a:prstGeom prst="rect">
             <a:avLst/>
@@ -4134,7 +4139,7 @@
               <a:tabLst/>
             </a:pPr>
             <a:r>
-              <a:rPr kumimoji="0" lang="en-US" altLang="en-US" sz="800" b="0" i="0" u="none" strike="noStrike" cap="none" normalizeH="0" baseline="0">
+              <a:rPr kumimoji="0" lang="en-US" altLang="en-US" sz="800" b="0" i="0" u="none" strike="noStrike" cap="none" normalizeH="0" baseline="0" dirty="0">
                 <a:ln>
                   <a:noFill/>
                 </a:ln>
@@ -4147,7 +4152,7 @@
               </a:rPr>
               <a:t>4. Provide and Register Document Set</a:t>
             </a:r>
-            <a:endParaRPr kumimoji="0" lang="en-US" altLang="en-US" sz="1800" b="0" i="0" u="none" strike="noStrike" cap="none" normalizeH="0" baseline="0">
+            <a:endParaRPr kumimoji="0" lang="en-US" altLang="en-US" sz="1800" b="0" i="0" u="none" strike="noStrike" cap="none" normalizeH="0" baseline="0" dirty="0">
               <a:ln>
                 <a:noFill/>
               </a:ln>
@@ -4176,7 +4181,7 @@
         </p:nvSpPr>
         <p:spPr bwMode="auto">
           <a:xfrm>
-            <a:off x="3609975" y="457200"/>
+            <a:off x="3609975" y="2620536"/>
             <a:ext cx="1344613" cy="0"/>
           </a:xfrm>
           <a:prstGeom prst="line">
@@ -4227,7 +4232,7 @@
         </p:nvSpPr>
         <p:spPr bwMode="auto">
           <a:xfrm>
-            <a:off x="3729038" y="457200"/>
+            <a:off x="3706484" y="2285992"/>
             <a:ext cx="1177925" cy="247650"/>
           </a:xfrm>
           <a:prstGeom prst="rect">
@@ -4282,7 +4287,7 @@
               <a:tabLst/>
             </a:pPr>
             <a:r>
-              <a:rPr kumimoji="0" lang="en-US" altLang="en-US" sz="800" b="0" i="0" u="none" strike="noStrike" cap="none" normalizeH="0" baseline="0">
+              <a:rPr kumimoji="0" lang="en-US" altLang="en-US" sz="800" b="0" i="0" u="none" strike="noStrike" cap="none" normalizeH="0" baseline="0" dirty="0">
                 <a:ln>
                   <a:noFill/>
                 </a:ln>
@@ -4290,13 +4295,13 @@
                   <a:schemeClr val="tx1"/>
                 </a:solidFill>
                 <a:effectLst/>
-                <a:latin typeface="Times New Roman" panose="02020603050405020304" pitchFamily="18" charset="0"/>
+                <a:latin typeface="Arial" panose="020B0604020202020204" pitchFamily="34" charset="0"/>
                 <a:ea typeface="Times New Roman" panose="02020603050405020304" pitchFamily="18" charset="0"/>
                 <a:cs typeface="Arial" panose="020B0604020202020204" pitchFamily="34" charset="0"/>
               </a:rPr>
               <a:t>5. Register Document Set</a:t>
             </a:r>
-            <a:endParaRPr kumimoji="0" lang="en-US" altLang="en-US" sz="1800" b="0" i="0" u="none" strike="noStrike" cap="none" normalizeH="0" baseline="0">
+            <a:endParaRPr kumimoji="0" lang="en-US" altLang="en-US" sz="1800" b="0" i="0" u="none" strike="noStrike" cap="none" normalizeH="0" baseline="0" dirty="0">
               <a:ln>
                 <a:noFill/>
               </a:ln>
@@ -4305,6 +4310,7 @@
               </a:solidFill>
               <a:effectLst/>
               <a:latin typeface="Arial" panose="020B0604020202020204" pitchFamily="34" charset="0"/>
+              <a:cs typeface="Arial" panose="020B0604020202020204" pitchFamily="34" charset="0"/>
             </a:endParaRPr>
           </a:p>
         </p:txBody>
@@ -4325,8 +4331,8 @@
         </p:nvSpPr>
         <p:spPr bwMode="auto">
           <a:xfrm>
-            <a:off x="66675" y="457200"/>
-            <a:ext cx="1257300" cy="452438"/>
+            <a:off x="66674" y="111512"/>
+            <a:ext cx="1365119" cy="452438"/>
           </a:xfrm>
           <a:prstGeom prst="rect">
             <a:avLst/>
@@ -4375,20 +4381,7 @@
               <a:tabLst/>
             </a:pPr>
             <a:r>
-              <a:rPr kumimoji="0" lang="en-US" altLang="en-US" sz="900" b="0" i="0" u="none" strike="noStrike" cap="none" normalizeH="0" baseline="0">
-                <a:ln>
-                  <a:noFill/>
-                </a:ln>
-                <a:solidFill>
-                  <a:schemeClr val="tx1"/>
-                </a:solidFill>
-                <a:effectLst/>
-                <a:ea typeface="Times New Roman" panose="02020603050405020304" pitchFamily="18" charset="0"/>
-              </a:rPr>
-              <a:t>Document Consumer:</a:t>
-            </a:r>
-            <a:br>
-              <a:rPr kumimoji="0" lang="en-US" altLang="en-US" sz="900" b="0" i="1" u="none" strike="noStrike" cap="none" normalizeH="0" baseline="0">
+              <a:rPr kumimoji="0" lang="en-US" altLang="en-US" sz="900" b="0" i="0" u="none" strike="noStrike" cap="none" normalizeH="0" baseline="0" dirty="0">
                 <a:ln>
                   <a:noFill/>
                 </a:ln>
@@ -4398,10 +4391,12 @@
                 <a:effectLst/>
                 <a:latin typeface="Arial" panose="020B0604020202020204" pitchFamily="34" charset="0"/>
                 <a:ea typeface="Times New Roman" panose="02020603050405020304" pitchFamily="18" charset="0"/>
+                <a:cs typeface="Arial" panose="020B0604020202020204" pitchFamily="34" charset="0"/>
               </a:rPr>
-            </a:br>
-            <a:r>
-              <a:rPr kumimoji="0" lang="en-US" altLang="en-US" sz="900" b="0" i="1" u="none" strike="noStrike" cap="none" normalizeH="0" baseline="0">
+              <a:t>Document Consumer:</a:t>
+            </a:r>
+            <a:br>
+              <a:rPr kumimoji="0" lang="en-US" altLang="en-US" sz="900" b="0" i="1" u="none" strike="noStrike" cap="none" normalizeH="0" baseline="0" dirty="0">
                 <a:ln>
                   <a:noFill/>
                 </a:ln>
@@ -4411,10 +4406,25 @@
                 <a:effectLst/>
                 <a:latin typeface="Arial" panose="020B0604020202020204" pitchFamily="34" charset="0"/>
                 <a:ea typeface="Times New Roman" panose="02020603050405020304" pitchFamily="18" charset="0"/>
+                <a:cs typeface="Arial" panose="020B0604020202020204" pitchFamily="34" charset="0"/>
+              </a:rPr>
+            </a:br>
+            <a:r>
+              <a:rPr kumimoji="0" lang="en-US" altLang="en-US" sz="900" b="0" i="1" u="none" strike="noStrike" cap="none" normalizeH="0" baseline="0" dirty="0">
+                <a:ln>
+                  <a:noFill/>
+                </a:ln>
+                <a:solidFill>
+                  <a:schemeClr val="tx1"/>
+                </a:solidFill>
+                <a:effectLst/>
+                <a:latin typeface="Arial" panose="020B0604020202020204" pitchFamily="34" charset="0"/>
+                <a:ea typeface="Times New Roman" panose="02020603050405020304" pitchFamily="18" charset="0"/>
+                <a:cs typeface="Arial" panose="020B0604020202020204" pitchFamily="34" charset="0"/>
               </a:rPr>
               <a:t>(PCP EHR-CR)</a:t>
             </a:r>
-            <a:endParaRPr kumimoji="0" lang="en-US" altLang="en-US" sz="1800" b="0" i="0" u="none" strike="noStrike" cap="none" normalizeH="0" baseline="0">
+            <a:endParaRPr kumimoji="0" lang="en-US" altLang="en-US" sz="1800" b="0" i="0" u="none" strike="noStrike" cap="none" normalizeH="0" baseline="0" dirty="0">
               <a:ln>
                 <a:noFill/>
               </a:ln>
@@ -4423,6 +4433,7 @@
               </a:solidFill>
               <a:effectLst/>
               <a:latin typeface="Arial" panose="020B0604020202020204" pitchFamily="34" charset="0"/>
+              <a:cs typeface="Arial" panose="020B0604020202020204" pitchFamily="34" charset="0"/>
             </a:endParaRPr>
           </a:p>
         </p:txBody>
@@ -4443,8 +4454,8 @@
         </p:nvSpPr>
         <p:spPr bwMode="auto">
           <a:xfrm flipH="1">
-            <a:off x="696913" y="457200"/>
-            <a:ext cx="0" cy="1649413"/>
+            <a:off x="677863" y="457200"/>
+            <a:ext cx="19050" cy="2464411"/>
           </a:xfrm>
           <a:prstGeom prst="line">
             <a:avLst/>
@@ -4495,7 +4506,7 @@
         </p:nvSpPr>
         <p:spPr bwMode="auto">
           <a:xfrm>
-            <a:off x="768350" y="457200"/>
+            <a:off x="768350" y="1728433"/>
             <a:ext cx="4192588" cy="0"/>
           </a:xfrm>
           <a:prstGeom prst="line">
@@ -4546,8 +4557,8 @@
         </p:nvSpPr>
         <p:spPr bwMode="auto">
           <a:xfrm>
-            <a:off x="2206625" y="457200"/>
-            <a:ext cx="1104900" cy="260350"/>
+            <a:off x="2117417" y="1059361"/>
+            <a:ext cx="1581150" cy="231967"/>
           </a:xfrm>
           <a:prstGeom prst="rect">
             <a:avLst/>
@@ -4643,7 +4654,7 @@
         </p:nvSpPr>
         <p:spPr bwMode="auto">
           <a:xfrm>
-            <a:off x="4960938" y="457200"/>
+            <a:off x="4960938" y="1616928"/>
             <a:ext cx="114300" cy="280988"/>
           </a:xfrm>
           <a:prstGeom prst="rect">
@@ -4689,7 +4700,7 @@
         </p:nvSpPr>
         <p:spPr bwMode="auto">
           <a:xfrm>
-            <a:off x="3500438" y="457200"/>
+            <a:off x="3500438" y="1360445"/>
             <a:ext cx="114300" cy="280988"/>
           </a:xfrm>
           <a:prstGeom prst="rect">
@@ -4735,7 +4746,7 @@
         </p:nvSpPr>
         <p:spPr bwMode="auto">
           <a:xfrm>
-            <a:off x="768350" y="457200"/>
+            <a:off x="768350" y="1494261"/>
             <a:ext cx="2717800" cy="0"/>
           </a:xfrm>
           <a:prstGeom prst="line">
@@ -4786,8 +4797,8 @@
         </p:nvSpPr>
         <p:spPr bwMode="auto">
           <a:xfrm>
-            <a:off x="1516063" y="457200"/>
-            <a:ext cx="1104900" cy="260350"/>
+            <a:off x="1237282" y="1293536"/>
+            <a:ext cx="1501347" cy="267627"/>
           </a:xfrm>
           <a:prstGeom prst="rect">
             <a:avLst/>
@@ -4841,7 +4852,7 @@
               <a:tabLst/>
             </a:pPr>
             <a:r>
-              <a:rPr kumimoji="0" lang="en-US" altLang="en-US" sz="800" b="0" i="0" u="none" strike="noStrike" cap="none" normalizeH="0" baseline="0">
+              <a:rPr kumimoji="0" lang="en-US" altLang="en-US" sz="800" b="0" i="0" u="none" strike="noStrike" cap="none" normalizeH="0" baseline="0" dirty="0">
                 <a:ln>
                   <a:noFill/>
                 </a:ln>
@@ -4854,7 +4865,7 @@
               </a:rPr>
               <a:t>2. Retrieve Document</a:t>
             </a:r>
-            <a:endParaRPr kumimoji="0" lang="en-US" altLang="en-US" sz="1800" b="0" i="0" u="none" strike="noStrike" cap="none" normalizeH="0" baseline="0">
+            <a:endParaRPr kumimoji="0" lang="en-US" altLang="en-US" sz="1800" b="0" i="0" u="none" strike="noStrike" cap="none" normalizeH="0" baseline="0" dirty="0">
               <a:ln>
                 <a:noFill/>
               </a:ln>
@@ -4883,7 +4894,7 @@
         </p:nvSpPr>
         <p:spPr bwMode="auto">
           <a:xfrm>
-            <a:off x="733425" y="457200"/>
+            <a:off x="733425" y="1271234"/>
             <a:ext cx="4229100" cy="0"/>
           </a:xfrm>
           <a:prstGeom prst="line">
@@ -4934,7 +4945,7 @@
         </p:nvSpPr>
         <p:spPr bwMode="auto">
           <a:xfrm>
-            <a:off x="4953000" y="457200"/>
+            <a:off x="4953000" y="2430965"/>
             <a:ext cx="114300" cy="280988"/>
           </a:xfrm>
           <a:prstGeom prst="rect">
@@ -4980,8 +4991,8 @@
         </p:nvSpPr>
         <p:spPr bwMode="auto">
           <a:xfrm>
-            <a:off x="2197100" y="457200"/>
-            <a:ext cx="1104900" cy="260350"/>
+            <a:off x="2036763" y="1523237"/>
+            <a:ext cx="1389062" cy="280981"/>
           </a:xfrm>
           <a:prstGeom prst="rect">
             <a:avLst/>
@@ -5035,7 +5046,7 @@
               <a:tabLst/>
             </a:pPr>
             <a:r>
-              <a:rPr kumimoji="0" lang="en-US" altLang="en-US" sz="800" b="0" i="0" u="none" strike="noStrike" cap="none" normalizeH="0" baseline="0">
+              <a:rPr kumimoji="0" lang="en-US" altLang="en-US" sz="800" b="0" i="0" u="none" strike="noStrike" cap="none" normalizeH="0" baseline="0" dirty="0">
                 <a:ln>
                   <a:noFill/>
                 </a:ln>
@@ -5048,7 +5059,7 @@
               </a:rPr>
               <a:t>3. Query Documents</a:t>
             </a:r>
-            <a:endParaRPr kumimoji="0" lang="en-US" altLang="en-US" sz="1800" b="0" i="0" u="none" strike="noStrike" cap="none" normalizeH="0" baseline="0">
+            <a:endParaRPr kumimoji="0" lang="en-US" altLang="en-US" sz="1800" b="0" i="0" u="none" strike="noStrike" cap="none" normalizeH="0" baseline="0" dirty="0">
               <a:ln>
                 <a:noFill/>
               </a:ln>
@@ -5077,7 +5088,7 @@
         </p:nvSpPr>
         <p:spPr bwMode="auto">
           <a:xfrm>
-            <a:off x="647700" y="457200"/>
+            <a:off x="647700" y="1126276"/>
             <a:ext cx="120650" cy="701675"/>
           </a:xfrm>
           <a:prstGeom prst="rect">
@@ -5100,75 +5111,6 @@
             <a:prstTxWarp prst="textNoShape">
               <a:avLst/>
             </a:prstTxWarp>
-          </a:bodyPr>
-          <a:lstStyle/>
-          <a:p>
-            <a:endParaRPr lang="en-US"/>
-          </a:p>
-        </p:txBody>
-      </p:sp>
-      <p:sp>
-        <p:nvSpPr>
-          <p:cNvPr id="30" name="Rectangle 27">
-            <a:extLst>
-              <a:ext uri="{FF2B5EF4-FFF2-40B4-BE49-F238E27FC236}">
-                <a16:creationId xmlns:a16="http://schemas.microsoft.com/office/drawing/2014/main" id="{9F3097D0-17E2-BF47-A82C-22DF0819126B}"/>
-              </a:ext>
-            </a:extLst>
-          </p:cNvPr>
-          <p:cNvSpPr>
-            <a:spLocks noChangeArrowheads="1"/>
-          </p:cNvSpPr>
-          <p:nvPr/>
-        </p:nvSpPr>
-        <p:spPr bwMode="auto">
-          <a:xfrm>
-            <a:off x="0" y="0"/>
-            <a:ext cx="12192000" cy="457200"/>
-          </a:xfrm>
-          <a:prstGeom prst="rect">
-            <a:avLst/>
-          </a:prstGeom>
-          <a:noFill/>
-          <a:ln>
-            <a:noFill/>
-          </a:ln>
-          <a:effectLst/>
-          <a:extLst>
-            <a:ext uri="{909E8E84-426E-40DD-AFC4-6F175D3DCCD1}">
-              <a14:hiddenFill xmlns:a14="http://schemas.microsoft.com/office/drawing/2010/main">
-                <a:solidFill>
-                  <a:schemeClr val="accent1"/>
-                </a:solidFill>
-              </a14:hiddenFill>
-            </a:ext>
-            <a:ext uri="{91240B29-F687-4F45-9708-019B960494DF}">
-              <a14:hiddenLine xmlns:a14="http://schemas.microsoft.com/office/drawing/2010/main" w="9525">
-                <a:solidFill>
-                  <a:schemeClr val="tx1"/>
-                </a:solidFill>
-                <a:miter lim="800000"/>
-                <a:headEnd/>
-                <a:tailEnd/>
-              </a14:hiddenLine>
-            </a:ext>
-            <a:ext uri="{AF507438-7753-43E0-B8FC-AC1667EBCBE1}">
-              <a14:hiddenEffects xmlns:a14="http://schemas.microsoft.com/office/drawing/2010/main">
-                <a:effectLst>
-                  <a:outerShdw dist="35921" dir="2700000" algn="ctr" rotWithShape="0">
-                    <a:schemeClr val="bg2"/>
-                  </a:outerShdw>
-                </a:effectLst>
-              </a14:hiddenEffects>
-            </a:ext>
-          </a:extLst>
-        </p:spPr>
-        <p:txBody>
-          <a:bodyPr vert="horz" wrap="none" lIns="91440" tIns="45720" rIns="91440" bIns="45720" numCol="1" anchor="ctr" anchorCtr="0" compatLnSpc="1">
-            <a:prstTxWarp prst="textNoShape">
-              <a:avLst/>
-            </a:prstTxWarp>
-            <a:spAutoFit/>
           </a:bodyPr>
           <a:lstStyle/>
           <a:p>

--- a/ITI/TF/Volume1/media/Figure_10.3-2.pptx
+++ b/ITI/TF/Volume1/media/Figure_10.3-2.pptx
@@ -259,7 +259,7 @@
           <a:p>
             <a:fld id="{DA2743A0-7BBA-6440-8FCE-C884DCC1C920}" type="datetimeFigureOut">
               <a:rPr lang="en-US" smtClean="0"/>
-              <a:t>8/25/20</a:t>
+              <a:t>8/26/2020</a:t>
             </a:fld>
             <a:endParaRPr lang="en-US"/>
           </a:p>
@@ -457,7 +457,7 @@
           <a:p>
             <a:fld id="{DA2743A0-7BBA-6440-8FCE-C884DCC1C920}" type="datetimeFigureOut">
               <a:rPr lang="en-US" smtClean="0"/>
-              <a:t>8/25/20</a:t>
+              <a:t>8/26/2020</a:t>
             </a:fld>
             <a:endParaRPr lang="en-US"/>
           </a:p>
@@ -665,7 +665,7 @@
           <a:p>
             <a:fld id="{DA2743A0-7BBA-6440-8FCE-C884DCC1C920}" type="datetimeFigureOut">
               <a:rPr lang="en-US" smtClean="0"/>
-              <a:t>8/25/20</a:t>
+              <a:t>8/26/2020</a:t>
             </a:fld>
             <a:endParaRPr lang="en-US"/>
           </a:p>
@@ -863,7 +863,7 @@
           <a:p>
             <a:fld id="{DA2743A0-7BBA-6440-8FCE-C884DCC1C920}" type="datetimeFigureOut">
               <a:rPr lang="en-US" smtClean="0"/>
-              <a:t>8/25/20</a:t>
+              <a:t>8/26/2020</a:t>
             </a:fld>
             <a:endParaRPr lang="en-US"/>
           </a:p>
@@ -1138,7 +1138,7 @@
           <a:p>
             <a:fld id="{DA2743A0-7BBA-6440-8FCE-C884DCC1C920}" type="datetimeFigureOut">
               <a:rPr lang="en-US" smtClean="0"/>
-              <a:t>8/25/20</a:t>
+              <a:t>8/26/2020</a:t>
             </a:fld>
             <a:endParaRPr lang="en-US"/>
           </a:p>
@@ -1403,7 +1403,7 @@
           <a:p>
             <a:fld id="{DA2743A0-7BBA-6440-8FCE-C884DCC1C920}" type="datetimeFigureOut">
               <a:rPr lang="en-US" smtClean="0"/>
-              <a:t>8/25/20</a:t>
+              <a:t>8/26/2020</a:t>
             </a:fld>
             <a:endParaRPr lang="en-US"/>
           </a:p>
@@ -1815,7 +1815,7 @@
           <a:p>
             <a:fld id="{DA2743A0-7BBA-6440-8FCE-C884DCC1C920}" type="datetimeFigureOut">
               <a:rPr lang="en-US" smtClean="0"/>
-              <a:t>8/25/20</a:t>
+              <a:t>8/26/2020</a:t>
             </a:fld>
             <a:endParaRPr lang="en-US"/>
           </a:p>
@@ -1956,7 +1956,7 @@
           <a:p>
             <a:fld id="{DA2743A0-7BBA-6440-8FCE-C884DCC1C920}" type="datetimeFigureOut">
               <a:rPr lang="en-US" smtClean="0"/>
-              <a:t>8/25/20</a:t>
+              <a:t>8/26/2020</a:t>
             </a:fld>
             <a:endParaRPr lang="en-US"/>
           </a:p>
@@ -2069,7 +2069,7 @@
           <a:p>
             <a:fld id="{DA2743A0-7BBA-6440-8FCE-C884DCC1C920}" type="datetimeFigureOut">
               <a:rPr lang="en-US" smtClean="0"/>
-              <a:t>8/25/20</a:t>
+              <a:t>8/26/2020</a:t>
             </a:fld>
             <a:endParaRPr lang="en-US"/>
           </a:p>
@@ -2380,7 +2380,7 @@
           <a:p>
             <a:fld id="{DA2743A0-7BBA-6440-8FCE-C884DCC1C920}" type="datetimeFigureOut">
               <a:rPr lang="en-US" smtClean="0"/>
-              <a:t>8/25/20</a:t>
+              <a:t>8/26/2020</a:t>
             </a:fld>
             <a:endParaRPr lang="en-US"/>
           </a:p>
@@ -2668,7 +2668,7 @@
           <a:p>
             <a:fld id="{DA2743A0-7BBA-6440-8FCE-C884DCC1C920}" type="datetimeFigureOut">
               <a:rPr lang="en-US" smtClean="0"/>
-              <a:t>8/25/20</a:t>
+              <a:t>8/26/2020</a:t>
             </a:fld>
             <a:endParaRPr lang="en-US"/>
           </a:p>
@@ -2909,7 +2909,7 @@
           <a:p>
             <a:fld id="{DA2743A0-7BBA-6440-8FCE-C884DCC1C920}" type="datetimeFigureOut">
               <a:rPr lang="en-US" smtClean="0"/>
-              <a:t>8/25/20</a:t>
+              <a:t>8/26/2020</a:t>
             </a:fld>
             <a:endParaRPr lang="en-US"/>
           </a:p>
@@ -3326,178 +3326,240 @@
           <a:chExt cx="0" cy="0"/>
         </a:xfrm>
       </p:grpSpPr>
-      <p:sp>
-        <p:nvSpPr>
-          <p:cNvPr id="4" name="Line 21">
-            <a:extLst>
-              <a:ext uri="{FF2B5EF4-FFF2-40B4-BE49-F238E27FC236}">
-                <a16:creationId xmlns:a16="http://schemas.microsoft.com/office/drawing/2014/main" id="{0275FE92-FCE2-0340-B807-B45B0BCCD63C}"/>
-              </a:ext>
-            </a:extLst>
-          </p:cNvPr>
-          <p:cNvSpPr>
-            <a:spLocks noChangeShapeType="1"/>
-          </p:cNvSpPr>
+      <p:grpSp>
+        <p:nvGrpSpPr>
+          <p:cNvPr id="2" name="Group 1">
+            <a:extLst>
+              <a:ext uri="{FF2B5EF4-FFF2-40B4-BE49-F238E27FC236}">
+                <a16:creationId xmlns:a16="http://schemas.microsoft.com/office/drawing/2014/main" id="{BF460781-20F5-4009-9026-2463B9021AAD}"/>
+              </a:ext>
+            </a:extLst>
+          </p:cNvPr>
+          <p:cNvGrpSpPr>
+            <a:grpSpLocks noChangeAspect="1"/>
+          </p:cNvGrpSpPr>
           <p:nvPr/>
-        </p:nvSpPr>
-        <p:spPr bwMode="auto">
-          <a:xfrm flipH="1">
-            <a:off x="4995861" y="278783"/>
-            <a:ext cx="31287" cy="2642813"/>
+        </p:nvGrpSpPr>
+        <p:grpSpPr>
+          <a:xfrm>
+            <a:off x="476327" y="468350"/>
+            <a:ext cx="10552987" cy="6121135"/>
+            <a:chOff x="0" y="78062"/>
+            <a:chExt cx="5898995" cy="3421642"/>
           </a:xfrm>
-          <a:prstGeom prst="line">
-            <a:avLst/>
-          </a:prstGeom>
-          <a:noFill/>
-          <a:ln w="9525">
+        </p:grpSpPr>
+        <p:sp>
+          <p:nvSpPr>
+            <p:cNvPr id="4" name="Line 21">
+              <a:extLst>
+                <a:ext uri="{FF2B5EF4-FFF2-40B4-BE49-F238E27FC236}">
+                  <a16:creationId xmlns:a16="http://schemas.microsoft.com/office/drawing/2014/main" id="{0275FE92-FCE2-0340-B807-B45B0BCCD63C}"/>
+                </a:ext>
+              </a:extLst>
+            </p:cNvPr>
+            <p:cNvSpPr>
+              <a:spLocks noChangeShapeType="1"/>
+            </p:cNvSpPr>
+            <p:nvPr/>
+          </p:nvSpPr>
+          <p:spPr bwMode="auto">
+            <a:xfrm flipH="1">
+              <a:off x="4995861" y="278783"/>
+              <a:ext cx="31287" cy="2642813"/>
+            </a:xfrm>
+            <a:prstGeom prst="line">
+              <a:avLst/>
+            </a:prstGeom>
+            <a:noFill/>
+            <a:ln w="9525">
+              <a:solidFill>
+                <a:srgbClr val="000000"/>
+              </a:solidFill>
+              <a:prstDash val="sysDot"/>
+              <a:round/>
+              <a:headEnd/>
+              <a:tailEnd/>
+            </a:ln>
+            <a:extLst>
+              <a:ext uri="{909E8E84-426E-40DD-AFC4-6F175D3DCCD1}">
+                <a14:hiddenFill xmlns:a14="http://schemas.microsoft.com/office/drawing/2010/main">
+                  <a:noFill/>
+                </a14:hiddenFill>
+              </a:ext>
+            </a:extLst>
+          </p:spPr>
+          <p:txBody>
+            <a:bodyPr vert="horz" wrap="square" lIns="91440" tIns="45720" rIns="91440" bIns="45720" numCol="1" anchor="t" anchorCtr="0" compatLnSpc="1">
+              <a:prstTxWarp prst="textNoShape">
+                <a:avLst/>
+              </a:prstTxWarp>
+            </a:bodyPr>
+            <a:lstStyle/>
+            <a:p>
+              <a:endParaRPr lang="en-US" sz="3600"/>
+            </a:p>
+          </p:txBody>
+        </p:sp>
+        <p:sp>
+          <p:nvSpPr>
+            <p:cNvPr id="5" name="Rectangle 22">
+              <a:extLst>
+                <a:ext uri="{FF2B5EF4-FFF2-40B4-BE49-F238E27FC236}">
+                  <a16:creationId xmlns:a16="http://schemas.microsoft.com/office/drawing/2014/main" id="{E7A699B5-2621-BC40-8445-709500A224F8}"/>
+                </a:ext>
+              </a:extLst>
+            </p:cNvPr>
+            <p:cNvSpPr>
+              <a:spLocks noChangeArrowheads="1"/>
+            </p:cNvSpPr>
+            <p:nvPr/>
+          </p:nvSpPr>
+          <p:spPr bwMode="auto">
+            <a:xfrm>
+              <a:off x="0" y="78062"/>
+              <a:ext cx="5898995" cy="3421642"/>
+            </a:xfrm>
+            <a:prstGeom prst="rect">
+              <a:avLst/>
+            </a:prstGeom>
+            <a:noFill/>
+            <a:ln w="9525">
+              <a:solidFill>
+                <a:srgbClr val="000000"/>
+              </a:solidFill>
+              <a:miter lim="800000"/>
+              <a:headEnd/>
+              <a:tailEnd/>
+            </a:ln>
+            <a:extLst>
+              <a:ext uri="{909E8E84-426E-40DD-AFC4-6F175D3DCCD1}">
+                <a14:hiddenFill xmlns:a14="http://schemas.microsoft.com/office/drawing/2010/main">
+                  <a:solidFill>
+                    <a:srgbClr val="FFFFFF"/>
+                  </a:solidFill>
+                </a14:hiddenFill>
+              </a:ext>
+            </a:extLst>
+          </p:spPr>
+          <p:txBody>
+            <a:bodyPr vert="horz" wrap="square" lIns="91440" tIns="45720" rIns="91440" bIns="45720" numCol="1" anchor="t" anchorCtr="0" compatLnSpc="1">
+              <a:prstTxWarp prst="textNoShape">
+                <a:avLst/>
+              </a:prstTxWarp>
+            </a:bodyPr>
+            <a:lstStyle/>
+            <a:p>
+              <a:endParaRPr lang="en-US" sz="3600"/>
+            </a:p>
+          </p:txBody>
+        </p:sp>
+        <p:sp>
+          <p:nvSpPr>
+            <p:cNvPr id="6" name="Rectangle 20">
+              <a:extLst>
+                <a:ext uri="{FF2B5EF4-FFF2-40B4-BE49-F238E27FC236}">
+                  <a16:creationId xmlns:a16="http://schemas.microsoft.com/office/drawing/2014/main" id="{0C33E75F-B521-DF4B-886C-3E8B7638E488}"/>
+                </a:ext>
+              </a:extLst>
+            </p:cNvPr>
+            <p:cNvSpPr>
+              <a:spLocks noChangeArrowheads="1"/>
+            </p:cNvSpPr>
+            <p:nvPr/>
+          </p:nvSpPr>
+          <p:spPr bwMode="auto">
+            <a:xfrm>
+              <a:off x="2775260" y="100363"/>
+              <a:ext cx="1512886" cy="549275"/>
+            </a:xfrm>
+            <a:prstGeom prst="rect">
+              <a:avLst/>
+            </a:prstGeom>
             <a:solidFill>
-              <a:srgbClr val="000000"/>
+              <a:srgbClr val="FFFFFF"/>
             </a:solidFill>
-            <a:prstDash val="sysDot"/>
-            <a:round/>
-            <a:headEnd/>
-            <a:tailEnd/>
-          </a:ln>
-          <a:extLst>
-            <a:ext uri="{909E8E84-426E-40DD-AFC4-6F175D3DCCD1}">
-              <a14:hiddenFill xmlns:a14="http://schemas.microsoft.com/office/drawing/2010/main">
-                <a:noFill/>
-              </a14:hiddenFill>
-            </a:ext>
-          </a:extLst>
-        </p:spPr>
-        <p:txBody>
-          <a:bodyPr vert="horz" wrap="square" lIns="91440" tIns="45720" rIns="91440" bIns="45720" numCol="1" anchor="t" anchorCtr="0" compatLnSpc="1">
-            <a:prstTxWarp prst="textNoShape">
-              <a:avLst/>
-            </a:prstTxWarp>
-          </a:bodyPr>
-          <a:lstStyle/>
-          <a:p>
-            <a:endParaRPr lang="en-US"/>
-          </a:p>
-        </p:txBody>
-      </p:sp>
-      <p:sp>
-        <p:nvSpPr>
-          <p:cNvPr id="5" name="Rectangle 22">
-            <a:extLst>
-              <a:ext uri="{FF2B5EF4-FFF2-40B4-BE49-F238E27FC236}">
-                <a16:creationId xmlns:a16="http://schemas.microsoft.com/office/drawing/2014/main" id="{E7A699B5-2621-BC40-8445-709500A224F8}"/>
-              </a:ext>
-            </a:extLst>
-          </p:cNvPr>
-          <p:cNvSpPr>
-            <a:spLocks noChangeArrowheads="1"/>
-          </p:cNvSpPr>
-          <p:nvPr/>
-        </p:nvSpPr>
-        <p:spPr bwMode="auto">
-          <a:xfrm>
-            <a:off x="0" y="78062"/>
-            <a:ext cx="5898995" cy="3421642"/>
-          </a:xfrm>
-          <a:prstGeom prst="rect">
-            <a:avLst/>
-          </a:prstGeom>
-          <a:noFill/>
-          <a:ln w="9525">
-            <a:solidFill>
-              <a:srgbClr val="000000"/>
-            </a:solidFill>
-            <a:miter lim="800000"/>
-            <a:headEnd/>
-            <a:tailEnd/>
-          </a:ln>
-          <a:extLst>
-            <a:ext uri="{909E8E84-426E-40DD-AFC4-6F175D3DCCD1}">
-              <a14:hiddenFill xmlns:a14="http://schemas.microsoft.com/office/drawing/2010/main">
-                <a:solidFill>
-                  <a:srgbClr val="FFFFFF"/>
-                </a:solidFill>
-              </a14:hiddenFill>
-            </a:ext>
-          </a:extLst>
-        </p:spPr>
-        <p:txBody>
-          <a:bodyPr vert="horz" wrap="square" lIns="91440" tIns="45720" rIns="91440" bIns="45720" numCol="1" anchor="t" anchorCtr="0" compatLnSpc="1">
-            <a:prstTxWarp prst="textNoShape">
-              <a:avLst/>
-            </a:prstTxWarp>
-          </a:bodyPr>
-          <a:lstStyle/>
-          <a:p>
-            <a:endParaRPr lang="en-US"/>
-          </a:p>
-        </p:txBody>
-      </p:sp>
-      <p:sp>
-        <p:nvSpPr>
-          <p:cNvPr id="6" name="Rectangle 20">
-            <a:extLst>
-              <a:ext uri="{FF2B5EF4-FFF2-40B4-BE49-F238E27FC236}">
-                <a16:creationId xmlns:a16="http://schemas.microsoft.com/office/drawing/2014/main" id="{0C33E75F-B521-DF4B-886C-3E8B7638E488}"/>
-              </a:ext>
-            </a:extLst>
-          </p:cNvPr>
-          <p:cNvSpPr>
-            <a:spLocks noChangeArrowheads="1"/>
-          </p:cNvSpPr>
-          <p:nvPr/>
-        </p:nvSpPr>
-        <p:spPr bwMode="auto">
-          <a:xfrm>
-            <a:off x="2775260" y="100363"/>
-            <a:ext cx="1512886" cy="549275"/>
-          </a:xfrm>
-          <a:prstGeom prst="rect">
-            <a:avLst/>
-          </a:prstGeom>
-          <a:solidFill>
-            <a:srgbClr val="FFFFFF"/>
-          </a:solidFill>
-          <a:ln>
-            <a:noFill/>
-          </a:ln>
-          <a:extLst>
-            <a:ext uri="{91240B29-F687-4F45-9708-019B960494DF}">
-              <a14:hiddenLine xmlns:a14="http://schemas.microsoft.com/office/drawing/2010/main" w="9525">
-                <a:solidFill>
-                  <a:srgbClr val="000000"/>
-                </a:solidFill>
-                <a:miter lim="800000"/>
-                <a:headEnd/>
-                <a:tailEnd/>
-              </a14:hiddenLine>
-            </a:ext>
-          </a:extLst>
-        </p:spPr>
-        <p:txBody>
-          <a:bodyPr vert="horz" wrap="square" lIns="91440" tIns="45720" rIns="91440" bIns="45720" numCol="1" anchor="t" anchorCtr="0" compatLnSpc="1">
-            <a:prstTxWarp prst="textNoShape">
-              <a:avLst/>
-            </a:prstTxWarp>
-          </a:bodyPr>
-          <a:lstStyle/>
-          <a:p>
-            <a:pPr marL="0" marR="0" lvl="0" indent="0" algn="ctr" defTabSz="914400" rtl="0" eaLnBrk="0" fontAlgn="base" latinLnBrk="0" hangingPunct="0">
-              <a:lnSpc>
-                <a:spcPct val="100000"/>
-              </a:lnSpc>
-              <a:spcBef>
-                <a:spcPct val="0"/>
-              </a:spcBef>
-              <a:spcAft>
-                <a:spcPct val="0"/>
-              </a:spcAft>
-              <a:buClrTx/>
-              <a:buSzTx/>
-              <a:buFontTx/>
-              <a:buNone/>
-              <a:tabLst/>
-            </a:pPr>
-            <a:r>
-              <a:rPr kumimoji="0" lang="en-US" altLang="en-US" sz="900" b="0" i="0" u="none" strike="noStrike" cap="none" normalizeH="0" baseline="0">
+            <a:ln>
+              <a:noFill/>
+            </a:ln>
+            <a:extLst>
+              <a:ext uri="{91240B29-F687-4F45-9708-019B960494DF}">
+                <a14:hiddenLine xmlns:a14="http://schemas.microsoft.com/office/drawing/2010/main" w="9525">
+                  <a:solidFill>
+                    <a:srgbClr val="000000"/>
+                  </a:solidFill>
+                  <a:miter lim="800000"/>
+                  <a:headEnd/>
+                  <a:tailEnd/>
+                </a14:hiddenLine>
+              </a:ext>
+            </a:extLst>
+          </p:spPr>
+          <p:txBody>
+            <a:bodyPr vert="horz" wrap="square" lIns="91440" tIns="45720" rIns="91440" bIns="45720" numCol="1" anchor="t" anchorCtr="0" compatLnSpc="1">
+              <a:prstTxWarp prst="textNoShape">
+                <a:avLst/>
+              </a:prstTxWarp>
+            </a:bodyPr>
+            <a:lstStyle/>
+            <a:p>
+              <a:pPr marL="0" marR="0" lvl="0" indent="0" algn="ctr" defTabSz="914400" rtl="0" eaLnBrk="0" fontAlgn="base" latinLnBrk="0" hangingPunct="0">
+                <a:lnSpc>
+                  <a:spcPct val="100000"/>
+                </a:lnSpc>
+                <a:spcBef>
+                  <a:spcPct val="0"/>
+                </a:spcBef>
+                <a:spcAft>
+                  <a:spcPct val="0"/>
+                </a:spcAft>
+                <a:buClrTx/>
+                <a:buSzTx/>
+                <a:buFontTx/>
+                <a:buNone/>
+                <a:tabLst/>
+              </a:pPr>
+              <a:r>
+                <a:rPr kumimoji="0" lang="en-US" altLang="en-US" sz="1400" b="0" i="0" u="none" strike="noStrike" cap="none" normalizeH="0" baseline="0">
+                  <a:ln>
+                    <a:noFill/>
+                  </a:ln>
+                  <a:solidFill>
+                    <a:schemeClr val="tx1"/>
+                  </a:solidFill>
+                  <a:effectLst/>
+                  <a:latin typeface="Arial" panose="020B0604020202020204" pitchFamily="34" charset="0"/>
+                  <a:ea typeface="Times New Roman" panose="02020603050405020304" pitchFamily="18" charset="0"/>
+                </a:rPr>
+                <a:t>Document Repository:</a:t>
+              </a:r>
+              <a:br>
+                <a:rPr kumimoji="0" lang="en-US" altLang="en-US" sz="1400" b="0" i="0" u="none" strike="noStrike" cap="none" normalizeH="0" baseline="0">
+                  <a:ln>
+                    <a:noFill/>
+                  </a:ln>
+                  <a:solidFill>
+                    <a:schemeClr val="tx1"/>
+                  </a:solidFill>
+                  <a:effectLst/>
+                  <a:latin typeface="Arial" panose="020B0604020202020204" pitchFamily="34" charset="0"/>
+                  <a:ea typeface="Times New Roman" panose="02020603050405020304" pitchFamily="18" charset="0"/>
+                </a:rPr>
+              </a:br>
+              <a:r>
+                <a:rPr kumimoji="0" lang="en-US" altLang="en-US" sz="1400" b="0" i="1" u="none" strike="noStrike" cap="none" normalizeH="0" baseline="0">
+                  <a:ln>
+                    <a:noFill/>
+                  </a:ln>
+                  <a:solidFill>
+                    <a:schemeClr val="tx1"/>
+                  </a:solidFill>
+                  <a:effectLst/>
+                  <a:latin typeface="Arial" panose="020B0604020202020204" pitchFamily="34" charset="0"/>
+                  <a:ea typeface="Times New Roman" panose="02020603050405020304" pitchFamily="18" charset="0"/>
+                </a:rPr>
+                <a:t>(Cardiology Network)</a:t>
+              </a:r>
+              <a:endParaRPr kumimoji="0" lang="en-US" altLang="en-US" sz="3600" b="0" i="0" u="none" strike="noStrike" cap="none" normalizeH="0" baseline="0">
                 <a:ln>
                   <a:noFill/>
                 </a:ln>
@@ -3506,12 +3568,117 @@
                 </a:solidFill>
                 <a:effectLst/>
                 <a:latin typeface="Arial" panose="020B0604020202020204" pitchFamily="34" charset="0"/>
-                <a:ea typeface="Times New Roman" panose="02020603050405020304" pitchFamily="18" charset="0"/>
-              </a:rPr>
-              <a:t>Document Repository:</a:t>
-            </a:r>
-            <a:br>
-              <a:rPr kumimoji="0" lang="en-US" altLang="en-US" sz="900" b="0" i="0" u="none" strike="noStrike" cap="none" normalizeH="0" baseline="0">
+              </a:endParaRPr>
+            </a:p>
+          </p:txBody>
+        </p:sp>
+        <p:sp>
+          <p:nvSpPr>
+            <p:cNvPr id="7" name="Rectangle 19">
+              <a:extLst>
+                <a:ext uri="{FF2B5EF4-FFF2-40B4-BE49-F238E27FC236}">
+                  <a16:creationId xmlns:a16="http://schemas.microsoft.com/office/drawing/2014/main" id="{699148FA-FAEA-5F49-AE75-816144EE5ED7}"/>
+                </a:ext>
+              </a:extLst>
+            </p:cNvPr>
+            <p:cNvSpPr>
+              <a:spLocks noChangeArrowheads="1"/>
+            </p:cNvSpPr>
+            <p:nvPr/>
+          </p:nvSpPr>
+          <p:spPr bwMode="auto">
+            <a:xfrm>
+              <a:off x="1332998" y="111513"/>
+              <a:ext cx="1333497" cy="356833"/>
+            </a:xfrm>
+            <a:prstGeom prst="rect">
+              <a:avLst/>
+            </a:prstGeom>
+            <a:solidFill>
+              <a:srgbClr val="FFFFFF"/>
+            </a:solidFill>
+            <a:ln>
+              <a:noFill/>
+            </a:ln>
+            <a:extLst>
+              <a:ext uri="{91240B29-F687-4F45-9708-019B960494DF}">
+                <a14:hiddenLine xmlns:a14="http://schemas.microsoft.com/office/drawing/2010/main" w="9525">
+                  <a:solidFill>
+                    <a:srgbClr val="000000"/>
+                  </a:solidFill>
+                  <a:miter lim="800000"/>
+                  <a:headEnd/>
+                  <a:tailEnd/>
+                </a14:hiddenLine>
+              </a:ext>
+            </a:extLst>
+          </p:spPr>
+          <p:txBody>
+            <a:bodyPr vert="horz" wrap="square" lIns="91440" tIns="45720" rIns="91440" bIns="45720" numCol="1" anchor="t" anchorCtr="0" compatLnSpc="1">
+              <a:prstTxWarp prst="textNoShape">
+                <a:avLst/>
+              </a:prstTxWarp>
+            </a:bodyPr>
+            <a:lstStyle/>
+            <a:p>
+              <a:pPr marL="0" marR="0" lvl="0" indent="0" algn="ctr" defTabSz="914400" rtl="0" eaLnBrk="0" fontAlgn="base" latinLnBrk="0" hangingPunct="0">
+                <a:lnSpc>
+                  <a:spcPct val="100000"/>
+                </a:lnSpc>
+                <a:spcBef>
+                  <a:spcPct val="0"/>
+                </a:spcBef>
+                <a:spcAft>
+                  <a:spcPct val="0"/>
+                </a:spcAft>
+                <a:buClrTx/>
+                <a:buSzTx/>
+                <a:buFontTx/>
+                <a:buNone/>
+                <a:tabLst/>
+              </a:pPr>
+              <a:r>
+                <a:rPr kumimoji="0" lang="fr-FR" altLang="en-US" sz="1400" b="0" i="0" u="none" strike="noStrike" cap="none" normalizeH="0" baseline="0" dirty="0">
+                  <a:ln>
+                    <a:noFill/>
+                  </a:ln>
+                  <a:solidFill>
+                    <a:schemeClr val="tx1"/>
+                  </a:solidFill>
+                  <a:effectLst/>
+                  <a:latin typeface="Arial" panose="020B0604020202020204" pitchFamily="34" charset="0"/>
+                  <a:ea typeface="Times New Roman" panose="02020603050405020304" pitchFamily="18" charset="0"/>
+                </a:rPr>
+                <a:t>Document Source: </a:t>
+              </a:r>
+              <a:br>
+                <a:rPr kumimoji="0" lang="fr-FR" altLang="en-US" sz="1400" b="0" i="0" u="none" strike="noStrike" cap="none" normalizeH="0" baseline="0" dirty="0">
+                  <a:ln>
+                    <a:noFill/>
+                  </a:ln>
+                  <a:solidFill>
+                    <a:schemeClr val="tx1"/>
+                  </a:solidFill>
+                  <a:effectLst/>
+                  <a:latin typeface="Arial" panose="020B0604020202020204" pitchFamily="34" charset="0"/>
+                  <a:ea typeface="Times New Roman" panose="02020603050405020304" pitchFamily="18" charset="0"/>
+                </a:rPr>
+              </a:br>
+              <a:r>
+                <a:rPr kumimoji="0" lang="fr-FR" altLang="en-US" sz="1400" b="0" i="1" u="none" strike="noStrike" cap="none" normalizeH="0" baseline="0" dirty="0">
+                  <a:ln>
+                    <a:noFill/>
+                  </a:ln>
+                  <a:solidFill>
+                    <a:schemeClr val="tx1"/>
+                  </a:solidFill>
+                  <a:effectLst/>
+                  <a:latin typeface="Arial" panose="020B0604020202020204" pitchFamily="34" charset="0"/>
+                  <a:ea typeface="Times New Roman" panose="02020603050405020304" pitchFamily="18" charset="0"/>
+                </a:rPr>
+                <a:t>(PCP EHR-CR)</a:t>
+              </a:r>
+              <a:endParaRPr kumimoji="0" lang="fr-FR" altLang="en-US" sz="3600" b="0" i="0" u="none" strike="noStrike" cap="none" normalizeH="0" baseline="0" dirty="0">
                 <a:ln>
                   <a:noFill/>
                 </a:ln>
@@ -3520,11 +3687,104 @@
                 </a:solidFill>
                 <a:effectLst/>
                 <a:latin typeface="Arial" panose="020B0604020202020204" pitchFamily="34" charset="0"/>
-                <a:ea typeface="Times New Roman" panose="02020603050405020304" pitchFamily="18" charset="0"/>
-              </a:rPr>
-            </a:br>
-            <a:r>
-              <a:rPr kumimoji="0" lang="en-US" altLang="en-US" sz="900" b="0" i="1" u="none" strike="noStrike" cap="none" normalizeH="0" baseline="0">
+              </a:endParaRPr>
+            </a:p>
+          </p:txBody>
+        </p:sp>
+        <p:sp>
+          <p:nvSpPr>
+            <p:cNvPr id="8" name="Rectangle 18">
+              <a:extLst>
+                <a:ext uri="{FF2B5EF4-FFF2-40B4-BE49-F238E27FC236}">
+                  <a16:creationId xmlns:a16="http://schemas.microsoft.com/office/drawing/2014/main" id="{B304F105-5C7E-4645-8D70-80C1645F5A27}"/>
+                </a:ext>
+              </a:extLst>
+            </p:cNvPr>
+            <p:cNvSpPr>
+              <a:spLocks noChangeArrowheads="1"/>
+            </p:cNvSpPr>
+            <p:nvPr/>
+          </p:nvSpPr>
+          <p:spPr bwMode="auto">
+            <a:xfrm>
+              <a:off x="4257346" y="89213"/>
+              <a:ext cx="1333497" cy="379138"/>
+            </a:xfrm>
+            <a:prstGeom prst="rect">
+              <a:avLst/>
+            </a:prstGeom>
+            <a:solidFill>
+              <a:srgbClr val="FFFFFF"/>
+            </a:solidFill>
+            <a:ln>
+              <a:noFill/>
+            </a:ln>
+            <a:extLst>
+              <a:ext uri="{91240B29-F687-4F45-9708-019B960494DF}">
+                <a14:hiddenLine xmlns:a14="http://schemas.microsoft.com/office/drawing/2010/main" w="9525">
+                  <a:solidFill>
+                    <a:srgbClr val="000000"/>
+                  </a:solidFill>
+                  <a:miter lim="800000"/>
+                  <a:headEnd/>
+                  <a:tailEnd/>
+                </a14:hiddenLine>
+              </a:ext>
+            </a:extLst>
+          </p:spPr>
+          <p:txBody>
+            <a:bodyPr vert="horz" wrap="square" lIns="91440" tIns="45720" rIns="91440" bIns="45720" numCol="1" anchor="t" anchorCtr="0" compatLnSpc="1">
+              <a:prstTxWarp prst="textNoShape">
+                <a:avLst/>
+              </a:prstTxWarp>
+            </a:bodyPr>
+            <a:lstStyle/>
+            <a:p>
+              <a:pPr marL="0" marR="0" lvl="0" indent="0" algn="ctr" defTabSz="914400" rtl="0" eaLnBrk="0" fontAlgn="base" latinLnBrk="0" hangingPunct="0">
+                <a:lnSpc>
+                  <a:spcPct val="100000"/>
+                </a:lnSpc>
+                <a:spcBef>
+                  <a:spcPct val="0"/>
+                </a:spcBef>
+                <a:spcAft>
+                  <a:spcPct val="0"/>
+                </a:spcAft>
+                <a:buClrTx/>
+                <a:buSzTx/>
+                <a:buFontTx/>
+                <a:buNone/>
+                <a:tabLst/>
+              </a:pPr>
+              <a:r>
+                <a:rPr kumimoji="0" lang="en-US" altLang="en-US" sz="1400" b="0" i="0" u="none" strike="noStrike" cap="none" normalizeH="0" baseline="0" dirty="0">
+                  <a:ln>
+                    <a:noFill/>
+                  </a:ln>
+                  <a:solidFill>
+                    <a:schemeClr val="tx1"/>
+                  </a:solidFill>
+                  <a:effectLst/>
+                  <a:latin typeface="Arial" panose="020B0604020202020204" pitchFamily="34" charset="0"/>
+                  <a:ea typeface="Times New Roman" panose="02020603050405020304" pitchFamily="18" charset="0"/>
+                </a:rPr>
+                <a:t>Document Registry: </a:t>
+              </a:r>
+              <a:r>
+                <a:rPr kumimoji="0" lang="en-US" altLang="en-US" sz="1400" b="0" i="1" u="none" strike="noStrike" cap="none" normalizeH="0" baseline="0" dirty="0">
+                  <a:ln>
+                    <a:noFill/>
+                  </a:ln>
+                  <a:solidFill>
+                    <a:schemeClr val="tx1"/>
+                  </a:solidFill>
+                  <a:effectLst/>
+                  <a:latin typeface="Arial" panose="020B0604020202020204" pitchFamily="34" charset="0"/>
+                  <a:ea typeface="Times New Roman" panose="02020603050405020304" pitchFamily="18" charset="0"/>
+                </a:rPr>
+                <a:t>(Cardiology Network)</a:t>
+              </a:r>
+              <a:endParaRPr kumimoji="0" lang="en-US" altLang="en-US" sz="3600" b="0" i="0" u="none" strike="noStrike" cap="none" normalizeH="0" baseline="0" dirty="0">
                 <a:ln>
                   <a:noFill/>
                 </a:ln>
@@ -3533,90 +3793,388 @@
                 </a:solidFill>
                 <a:effectLst/>
                 <a:latin typeface="Arial" panose="020B0604020202020204" pitchFamily="34" charset="0"/>
-                <a:ea typeface="Times New Roman" panose="02020603050405020304" pitchFamily="18" charset="0"/>
-              </a:rPr>
-              <a:t>(Cardiology Network)</a:t>
-            </a:r>
-            <a:endParaRPr kumimoji="0" lang="en-US" altLang="en-US" sz="1800" b="0" i="0" u="none" strike="noStrike" cap="none" normalizeH="0" baseline="0">
-              <a:ln>
-                <a:noFill/>
-              </a:ln>
+              </a:endParaRPr>
+            </a:p>
+          </p:txBody>
+        </p:sp>
+        <p:sp>
+          <p:nvSpPr>
+            <p:cNvPr id="9" name="Line 17">
+              <a:extLst>
+                <a:ext uri="{FF2B5EF4-FFF2-40B4-BE49-F238E27FC236}">
+                  <a16:creationId xmlns:a16="http://schemas.microsoft.com/office/drawing/2014/main" id="{7B70C8AE-A081-6D49-A67D-484CE2521957}"/>
+                </a:ext>
+              </a:extLst>
+            </p:cNvPr>
+            <p:cNvSpPr>
+              <a:spLocks noChangeShapeType="1"/>
+            </p:cNvSpPr>
+            <p:nvPr/>
+          </p:nvSpPr>
+          <p:spPr bwMode="auto">
+            <a:xfrm flipH="1">
+              <a:off x="1995489" y="457200"/>
+              <a:ext cx="19049" cy="2464403"/>
+            </a:xfrm>
+            <a:prstGeom prst="line">
+              <a:avLst/>
+            </a:prstGeom>
+            <a:noFill/>
+            <a:ln w="9525">
               <a:solidFill>
-                <a:schemeClr val="tx1"/>
+                <a:srgbClr val="000000"/>
               </a:solidFill>
-              <a:effectLst/>
-              <a:latin typeface="Arial" panose="020B0604020202020204" pitchFamily="34" charset="0"/>
-            </a:endParaRPr>
-          </a:p>
-        </p:txBody>
-      </p:sp>
-      <p:sp>
-        <p:nvSpPr>
-          <p:cNvPr id="7" name="Rectangle 19">
-            <a:extLst>
-              <a:ext uri="{FF2B5EF4-FFF2-40B4-BE49-F238E27FC236}">
-                <a16:creationId xmlns:a16="http://schemas.microsoft.com/office/drawing/2014/main" id="{699148FA-FAEA-5F49-AE75-816144EE5ED7}"/>
-              </a:ext>
-            </a:extLst>
-          </p:cNvPr>
-          <p:cNvSpPr>
-            <a:spLocks noChangeArrowheads="1"/>
-          </p:cNvSpPr>
-          <p:nvPr/>
-        </p:nvSpPr>
-        <p:spPr bwMode="auto">
-          <a:xfrm>
-            <a:off x="1332998" y="111513"/>
-            <a:ext cx="1333497" cy="356833"/>
-          </a:xfrm>
-          <a:prstGeom prst="rect">
-            <a:avLst/>
-          </a:prstGeom>
-          <a:solidFill>
-            <a:srgbClr val="FFFFFF"/>
-          </a:solidFill>
-          <a:ln>
+              <a:prstDash val="sysDot"/>
+              <a:round/>
+              <a:headEnd/>
+              <a:tailEnd/>
+            </a:ln>
+            <a:extLst>
+              <a:ext uri="{909E8E84-426E-40DD-AFC4-6F175D3DCCD1}">
+                <a14:hiddenFill xmlns:a14="http://schemas.microsoft.com/office/drawing/2010/main">
+                  <a:noFill/>
+                </a14:hiddenFill>
+              </a:ext>
+            </a:extLst>
+          </p:spPr>
+          <p:txBody>
+            <a:bodyPr vert="horz" wrap="square" lIns="91440" tIns="45720" rIns="91440" bIns="45720" numCol="1" anchor="t" anchorCtr="0" compatLnSpc="1">
+              <a:prstTxWarp prst="textNoShape">
+                <a:avLst/>
+              </a:prstTxWarp>
+            </a:bodyPr>
+            <a:lstStyle/>
+            <a:p>
+              <a:endParaRPr lang="en-US" sz="3600"/>
+            </a:p>
+          </p:txBody>
+        </p:sp>
+        <p:sp>
+          <p:nvSpPr>
+            <p:cNvPr id="10" name="Line 16">
+              <a:extLst>
+                <a:ext uri="{FF2B5EF4-FFF2-40B4-BE49-F238E27FC236}">
+                  <a16:creationId xmlns:a16="http://schemas.microsoft.com/office/drawing/2014/main" id="{326BF365-07BF-C445-9A30-283B6696C574}"/>
+                </a:ext>
+              </a:extLst>
+            </p:cNvPr>
+            <p:cNvSpPr>
+              <a:spLocks noChangeShapeType="1"/>
+            </p:cNvSpPr>
+            <p:nvPr/>
+          </p:nvSpPr>
+          <p:spPr bwMode="auto">
+            <a:xfrm flipH="1">
+              <a:off x="3532187" y="457200"/>
+              <a:ext cx="30163" cy="2464401"/>
+            </a:xfrm>
+            <a:prstGeom prst="line">
+              <a:avLst/>
+            </a:prstGeom>
             <a:noFill/>
-          </a:ln>
-          <a:extLst>
-            <a:ext uri="{91240B29-F687-4F45-9708-019B960494DF}">
-              <a14:hiddenLine xmlns:a14="http://schemas.microsoft.com/office/drawing/2010/main" w="9525">
-                <a:solidFill>
-                  <a:srgbClr val="000000"/>
-                </a:solidFill>
-                <a:miter lim="800000"/>
-                <a:headEnd/>
-                <a:tailEnd/>
-              </a14:hiddenLine>
-            </a:ext>
-          </a:extLst>
-        </p:spPr>
-        <p:txBody>
-          <a:bodyPr vert="horz" wrap="square" lIns="91440" tIns="45720" rIns="91440" bIns="45720" numCol="1" anchor="t" anchorCtr="0" compatLnSpc="1">
-            <a:prstTxWarp prst="textNoShape">
+            <a:ln w="9525">
+              <a:solidFill>
+                <a:srgbClr val="000000"/>
+              </a:solidFill>
+              <a:prstDash val="sysDot"/>
+              <a:round/>
+              <a:headEnd/>
+              <a:tailEnd/>
+            </a:ln>
+            <a:extLst>
+              <a:ext uri="{909E8E84-426E-40DD-AFC4-6F175D3DCCD1}">
+                <a14:hiddenFill xmlns:a14="http://schemas.microsoft.com/office/drawing/2010/main">
+                  <a:noFill/>
+                </a14:hiddenFill>
+              </a:ext>
+            </a:extLst>
+          </p:spPr>
+          <p:txBody>
+            <a:bodyPr vert="horz" wrap="square" lIns="91440" tIns="45720" rIns="91440" bIns="45720" numCol="1" anchor="t" anchorCtr="0" compatLnSpc="1">
+              <a:prstTxWarp prst="textNoShape">
+                <a:avLst/>
+              </a:prstTxWarp>
+            </a:bodyPr>
+            <a:lstStyle/>
+            <a:p>
+              <a:endParaRPr lang="en-US" sz="3600"/>
+            </a:p>
+          </p:txBody>
+        </p:sp>
+        <p:sp>
+          <p:nvSpPr>
+            <p:cNvPr id="11" name="Rectangle 15">
+              <a:extLst>
+                <a:ext uri="{FF2B5EF4-FFF2-40B4-BE49-F238E27FC236}">
+                  <a16:creationId xmlns:a16="http://schemas.microsoft.com/office/drawing/2014/main" id="{F83EB713-3F25-2948-8089-BB07E7296021}"/>
+                </a:ext>
+              </a:extLst>
+            </p:cNvPr>
+            <p:cNvSpPr>
+              <a:spLocks noChangeArrowheads="1"/>
+            </p:cNvSpPr>
+            <p:nvPr/>
+          </p:nvSpPr>
+          <p:spPr bwMode="auto">
+            <a:xfrm>
+              <a:off x="1955800" y="2007219"/>
+              <a:ext cx="114300" cy="685800"/>
+            </a:xfrm>
+            <a:prstGeom prst="rect">
               <a:avLst/>
-            </a:prstTxWarp>
-          </a:bodyPr>
-          <a:lstStyle/>
-          <a:p>
-            <a:pPr marL="0" marR="0" lvl="0" indent="0" algn="ctr" defTabSz="914400" rtl="0" eaLnBrk="0" fontAlgn="base" latinLnBrk="0" hangingPunct="0">
-              <a:lnSpc>
-                <a:spcPct val="100000"/>
-              </a:lnSpc>
-              <a:spcBef>
-                <a:spcPct val="0"/>
-              </a:spcBef>
-              <a:spcAft>
-                <a:spcPct val="0"/>
-              </a:spcAft>
-              <a:buClrTx/>
-              <a:buSzTx/>
-              <a:buFontTx/>
-              <a:buNone/>
-              <a:tabLst/>
-            </a:pPr>
-            <a:r>
-              <a:rPr kumimoji="0" lang="fr-FR" altLang="en-US" sz="900" b="0" i="0" u="none" strike="noStrike" cap="none" normalizeH="0" baseline="0" dirty="0">
+            </a:prstGeom>
+            <a:solidFill>
+              <a:srgbClr val="FFFFFF"/>
+            </a:solidFill>
+            <a:ln w="9525">
+              <a:solidFill>
+                <a:srgbClr val="000000"/>
+              </a:solidFill>
+              <a:miter lim="800000"/>
+              <a:headEnd/>
+              <a:tailEnd/>
+            </a:ln>
+          </p:spPr>
+          <p:txBody>
+            <a:bodyPr vert="horz" wrap="square" lIns="91440" tIns="45720" rIns="91440" bIns="45720" numCol="1" anchor="t" anchorCtr="0" compatLnSpc="1">
+              <a:prstTxWarp prst="textNoShape">
+                <a:avLst/>
+              </a:prstTxWarp>
+            </a:bodyPr>
+            <a:lstStyle/>
+            <a:p>
+              <a:endParaRPr lang="en-US" sz="3600"/>
+            </a:p>
+          </p:txBody>
+        </p:sp>
+        <p:sp>
+          <p:nvSpPr>
+            <p:cNvPr id="12" name="Rectangle 14">
+              <a:extLst>
+                <a:ext uri="{FF2B5EF4-FFF2-40B4-BE49-F238E27FC236}">
+                  <a16:creationId xmlns:a16="http://schemas.microsoft.com/office/drawing/2014/main" id="{B8510E50-8CEE-6543-A619-06909957A9F2}"/>
+                </a:ext>
+              </a:extLst>
+            </p:cNvPr>
+            <p:cNvSpPr>
+              <a:spLocks noChangeArrowheads="1"/>
+            </p:cNvSpPr>
+            <p:nvPr/>
+          </p:nvSpPr>
+          <p:spPr bwMode="auto">
+            <a:xfrm>
+              <a:off x="3502025" y="2196784"/>
+              <a:ext cx="114300" cy="546100"/>
+            </a:xfrm>
+            <a:prstGeom prst="rect">
+              <a:avLst/>
+            </a:prstGeom>
+            <a:solidFill>
+              <a:srgbClr val="FFFFFF"/>
+            </a:solidFill>
+            <a:ln w="9525">
+              <a:solidFill>
+                <a:srgbClr val="000000"/>
+              </a:solidFill>
+              <a:miter lim="800000"/>
+              <a:headEnd/>
+              <a:tailEnd/>
+            </a:ln>
+          </p:spPr>
+          <p:txBody>
+            <a:bodyPr vert="horz" wrap="square" lIns="91440" tIns="45720" rIns="91440" bIns="45720" numCol="1" anchor="t" anchorCtr="0" compatLnSpc="1">
+              <a:prstTxWarp prst="textNoShape">
+                <a:avLst/>
+              </a:prstTxWarp>
+            </a:bodyPr>
+            <a:lstStyle/>
+            <a:p>
+              <a:endParaRPr lang="en-US" sz="3600"/>
+            </a:p>
+          </p:txBody>
+        </p:sp>
+        <p:sp>
+          <p:nvSpPr>
+            <p:cNvPr id="13" name="Rectangle 13">
+              <a:extLst>
+                <a:ext uri="{FF2B5EF4-FFF2-40B4-BE49-F238E27FC236}">
+                  <a16:creationId xmlns:a16="http://schemas.microsoft.com/office/drawing/2014/main" id="{FF0E92D4-2F6A-6040-B1B1-162BA89AD41D}"/>
+                </a:ext>
+              </a:extLst>
+            </p:cNvPr>
+            <p:cNvSpPr>
+              <a:spLocks noChangeArrowheads="1"/>
+            </p:cNvSpPr>
+            <p:nvPr/>
+          </p:nvSpPr>
+          <p:spPr bwMode="auto">
+            <a:xfrm>
+              <a:off x="4954588" y="1170876"/>
+              <a:ext cx="114300" cy="280988"/>
+            </a:xfrm>
+            <a:prstGeom prst="rect">
+              <a:avLst/>
+            </a:prstGeom>
+            <a:solidFill>
+              <a:srgbClr val="FFFFFF"/>
+            </a:solidFill>
+            <a:ln w="9525">
+              <a:solidFill>
+                <a:srgbClr val="000000"/>
+              </a:solidFill>
+              <a:miter lim="800000"/>
+              <a:headEnd/>
+              <a:tailEnd/>
+            </a:ln>
+          </p:spPr>
+          <p:txBody>
+            <a:bodyPr vert="horz" wrap="square" lIns="91440" tIns="45720" rIns="91440" bIns="45720" numCol="1" anchor="t" anchorCtr="0" compatLnSpc="1">
+              <a:prstTxWarp prst="textNoShape">
+                <a:avLst/>
+              </a:prstTxWarp>
+            </a:bodyPr>
+            <a:lstStyle/>
+            <a:p>
+              <a:endParaRPr lang="en-US" sz="3600"/>
+            </a:p>
+          </p:txBody>
+        </p:sp>
+        <p:sp>
+          <p:nvSpPr>
+            <p:cNvPr id="14" name="Line 12">
+              <a:extLst>
+                <a:ext uri="{FF2B5EF4-FFF2-40B4-BE49-F238E27FC236}">
+                  <a16:creationId xmlns:a16="http://schemas.microsoft.com/office/drawing/2014/main" id="{02156301-D040-CF48-B19F-B50CF381BE50}"/>
+                </a:ext>
+              </a:extLst>
+            </p:cNvPr>
+            <p:cNvSpPr>
+              <a:spLocks noChangeShapeType="1"/>
+            </p:cNvSpPr>
+            <p:nvPr/>
+          </p:nvSpPr>
+          <p:spPr bwMode="auto">
+            <a:xfrm>
+              <a:off x="2070100" y="2453267"/>
+              <a:ext cx="1409700" cy="1588"/>
+            </a:xfrm>
+            <a:prstGeom prst="line">
+              <a:avLst/>
+            </a:prstGeom>
+            <a:noFill/>
+            <a:ln w="9525">
+              <a:solidFill>
+                <a:srgbClr val="000000"/>
+              </a:solidFill>
+              <a:round/>
+              <a:headEnd/>
+              <a:tailEnd type="triangle" w="med" len="med"/>
+            </a:ln>
+            <a:extLst>
+              <a:ext uri="{909E8E84-426E-40DD-AFC4-6F175D3DCCD1}">
+                <a14:hiddenFill xmlns:a14="http://schemas.microsoft.com/office/drawing/2010/main">
+                  <a:noFill/>
+                </a14:hiddenFill>
+              </a:ext>
+            </a:extLst>
+          </p:spPr>
+          <p:txBody>
+            <a:bodyPr vert="horz" wrap="square" lIns="91440" tIns="45720" rIns="91440" bIns="45720" numCol="1" anchor="t" anchorCtr="0" compatLnSpc="1">
+              <a:prstTxWarp prst="textNoShape">
+                <a:avLst/>
+              </a:prstTxWarp>
+            </a:bodyPr>
+            <a:lstStyle/>
+            <a:p>
+              <a:endParaRPr lang="en-US" sz="3600"/>
+            </a:p>
+          </p:txBody>
+        </p:sp>
+        <p:sp>
+          <p:nvSpPr>
+            <p:cNvPr id="15" name="Text Box 11">
+              <a:extLst>
+                <a:ext uri="{FF2B5EF4-FFF2-40B4-BE49-F238E27FC236}">
+                  <a16:creationId xmlns:a16="http://schemas.microsoft.com/office/drawing/2014/main" id="{CCB50F06-89C8-C44F-96E7-A08E63BED2F0}"/>
+                </a:ext>
+              </a:extLst>
+            </p:cNvPr>
+            <p:cNvSpPr txBox="1">
+              <a:spLocks noChangeArrowheads="1"/>
+            </p:cNvSpPr>
+            <p:nvPr/>
+          </p:nvSpPr>
+          <p:spPr bwMode="auto">
+            <a:xfrm>
+              <a:off x="2166630" y="2074121"/>
+              <a:ext cx="1309688" cy="342900"/>
+            </a:xfrm>
+            <a:prstGeom prst="rect">
+              <a:avLst/>
+            </a:prstGeom>
+            <a:noFill/>
+            <a:ln>
+              <a:noFill/>
+            </a:ln>
+            <a:extLst>
+              <a:ext uri="{909E8E84-426E-40DD-AFC4-6F175D3DCCD1}">
+                <a14:hiddenFill xmlns:a14="http://schemas.microsoft.com/office/drawing/2010/main">
+                  <a:solidFill>
+                    <a:srgbClr val="FFFFFF"/>
+                  </a:solidFill>
+                </a14:hiddenFill>
+              </a:ext>
+              <a:ext uri="{91240B29-F687-4F45-9708-019B960494DF}">
+                <a14:hiddenLine xmlns:a14="http://schemas.microsoft.com/office/drawing/2010/main" w="9525">
+                  <a:solidFill>
+                    <a:srgbClr val="000000"/>
+                  </a:solidFill>
+                  <a:miter lim="800000"/>
+                  <a:headEnd/>
+                  <a:tailEnd/>
+                </a14:hiddenLine>
+              </a:ext>
+            </a:extLst>
+          </p:spPr>
+          <p:txBody>
+            <a:bodyPr vert="horz" wrap="square" lIns="91440" tIns="45720" rIns="91440" bIns="45720" numCol="1" anchor="t" anchorCtr="0" compatLnSpc="1">
+              <a:prstTxWarp prst="textNoShape">
+                <a:avLst/>
+              </a:prstTxWarp>
+            </a:bodyPr>
+            <a:lstStyle/>
+            <a:p>
+              <a:pPr marL="0" marR="0" lvl="0" indent="0" algn="ctr" defTabSz="914400" rtl="0" eaLnBrk="0" fontAlgn="base" latinLnBrk="0" hangingPunct="0">
+                <a:lnSpc>
+                  <a:spcPct val="100000"/>
+                </a:lnSpc>
+                <a:spcBef>
+                  <a:spcPct val="0"/>
+                </a:spcBef>
+                <a:spcAft>
+                  <a:spcPct val="0"/>
+                </a:spcAft>
+                <a:buClrTx/>
+                <a:buSzTx/>
+                <a:buFontTx/>
+                <a:buNone/>
+                <a:tabLst/>
+              </a:pPr>
+              <a:r>
+                <a:rPr kumimoji="0" lang="en-US" altLang="en-US" sz="1200" b="0" i="0" u="none" strike="noStrike" cap="none" normalizeH="0" baseline="0" dirty="0">
+                  <a:ln>
+                    <a:noFill/>
+                  </a:ln>
+                  <a:solidFill>
+                    <a:schemeClr val="tx1"/>
+                  </a:solidFill>
+                  <a:effectLst/>
+                  <a:latin typeface="Arial" panose="020B0604020202020204" pitchFamily="34" charset="0"/>
+                  <a:ea typeface="Times New Roman" panose="02020603050405020304" pitchFamily="18" charset="0"/>
+                </a:rPr>
+                <a:t>4. Provide and Register Document Set</a:t>
+              </a:r>
+              <a:endParaRPr kumimoji="0" lang="en-US" altLang="en-US" sz="3600" b="0" i="0" u="none" strike="noStrike" cap="none" normalizeH="0" baseline="0" dirty="0">
                 <a:ln>
                   <a:noFill/>
                 </a:ln>
@@ -3625,12 +4183,147 @@
                 </a:solidFill>
                 <a:effectLst/>
                 <a:latin typeface="Arial" panose="020B0604020202020204" pitchFamily="34" charset="0"/>
-                <a:ea typeface="Times New Roman" panose="02020603050405020304" pitchFamily="18" charset="0"/>
-              </a:rPr>
-              <a:t>Document Source: </a:t>
-            </a:r>
-            <a:br>
-              <a:rPr kumimoji="0" lang="fr-FR" altLang="en-US" sz="900" b="0" i="0" u="none" strike="noStrike" cap="none" normalizeH="0" baseline="0" dirty="0">
+              </a:endParaRPr>
+            </a:p>
+          </p:txBody>
+        </p:sp>
+        <p:sp>
+          <p:nvSpPr>
+            <p:cNvPr id="16" name="Line 10">
+              <a:extLst>
+                <a:ext uri="{FF2B5EF4-FFF2-40B4-BE49-F238E27FC236}">
+                  <a16:creationId xmlns:a16="http://schemas.microsoft.com/office/drawing/2014/main" id="{D0897F56-2AFB-C247-AF45-B9BABAA85145}"/>
+                </a:ext>
+              </a:extLst>
+            </p:cNvPr>
+            <p:cNvSpPr>
+              <a:spLocks noChangeShapeType="1"/>
+            </p:cNvSpPr>
+            <p:nvPr/>
+          </p:nvSpPr>
+          <p:spPr bwMode="auto">
+            <a:xfrm>
+              <a:off x="3609975" y="2620536"/>
+              <a:ext cx="1344613" cy="0"/>
+            </a:xfrm>
+            <a:prstGeom prst="line">
+              <a:avLst/>
+            </a:prstGeom>
+            <a:noFill/>
+            <a:ln w="9525">
+              <a:solidFill>
+                <a:srgbClr val="000000"/>
+              </a:solidFill>
+              <a:round/>
+              <a:headEnd/>
+              <a:tailEnd type="triangle" w="med" len="med"/>
+            </a:ln>
+            <a:extLst>
+              <a:ext uri="{909E8E84-426E-40DD-AFC4-6F175D3DCCD1}">
+                <a14:hiddenFill xmlns:a14="http://schemas.microsoft.com/office/drawing/2010/main">
+                  <a:noFill/>
+                </a14:hiddenFill>
+              </a:ext>
+            </a:extLst>
+          </p:spPr>
+          <p:txBody>
+            <a:bodyPr vert="horz" wrap="square" lIns="91440" tIns="45720" rIns="91440" bIns="45720" numCol="1" anchor="t" anchorCtr="0" compatLnSpc="1">
+              <a:prstTxWarp prst="textNoShape">
+                <a:avLst/>
+              </a:prstTxWarp>
+            </a:bodyPr>
+            <a:lstStyle/>
+            <a:p>
+              <a:endParaRPr lang="en-US" sz="3600"/>
+            </a:p>
+          </p:txBody>
+        </p:sp>
+        <p:sp>
+          <p:nvSpPr>
+            <p:cNvPr id="17" name="Text Box 9">
+              <a:extLst>
+                <a:ext uri="{FF2B5EF4-FFF2-40B4-BE49-F238E27FC236}">
+                  <a16:creationId xmlns:a16="http://schemas.microsoft.com/office/drawing/2014/main" id="{ADA6AE78-C8CD-4844-8177-07EA83369A7C}"/>
+                </a:ext>
+              </a:extLst>
+            </p:cNvPr>
+            <p:cNvSpPr txBox="1">
+              <a:spLocks noChangeArrowheads="1"/>
+            </p:cNvSpPr>
+            <p:nvPr/>
+          </p:nvSpPr>
+          <p:spPr bwMode="auto">
+            <a:xfrm>
+              <a:off x="3706484" y="2285992"/>
+              <a:ext cx="1177925" cy="247650"/>
+            </a:xfrm>
+            <a:prstGeom prst="rect">
+              <a:avLst/>
+            </a:prstGeom>
+            <a:noFill/>
+            <a:ln>
+              <a:noFill/>
+            </a:ln>
+            <a:extLst>
+              <a:ext uri="{909E8E84-426E-40DD-AFC4-6F175D3DCCD1}">
+                <a14:hiddenFill xmlns:a14="http://schemas.microsoft.com/office/drawing/2010/main">
+                  <a:solidFill>
+                    <a:srgbClr val="FFFFFF"/>
+                  </a:solidFill>
+                </a14:hiddenFill>
+              </a:ext>
+              <a:ext uri="{91240B29-F687-4F45-9708-019B960494DF}">
+                <a14:hiddenLine xmlns:a14="http://schemas.microsoft.com/office/drawing/2010/main" w="9525">
+                  <a:solidFill>
+                    <a:srgbClr val="000000"/>
+                  </a:solidFill>
+                  <a:miter lim="800000"/>
+                  <a:headEnd/>
+                  <a:tailEnd/>
+                </a14:hiddenLine>
+              </a:ext>
+            </a:extLst>
+          </p:spPr>
+          <p:txBody>
+            <a:bodyPr vert="horz" wrap="square" lIns="91440" tIns="45720" rIns="91440" bIns="45720" numCol="1" anchor="t" anchorCtr="0" compatLnSpc="1">
+              <a:prstTxWarp prst="textNoShape">
+                <a:avLst/>
+              </a:prstTxWarp>
+            </a:bodyPr>
+            <a:lstStyle/>
+            <a:p>
+              <a:pPr marL="0" marR="0" lvl="0" indent="0" algn="ctr" defTabSz="914400" rtl="0" eaLnBrk="0" fontAlgn="base" latinLnBrk="0" hangingPunct="0">
+                <a:lnSpc>
+                  <a:spcPct val="100000"/>
+                </a:lnSpc>
+                <a:spcBef>
+                  <a:spcPct val="0"/>
+                </a:spcBef>
+                <a:spcAft>
+                  <a:spcPct val="0"/>
+                </a:spcAft>
+                <a:buClrTx/>
+                <a:buSzTx/>
+                <a:buFontTx/>
+                <a:buNone/>
+                <a:tabLst/>
+              </a:pPr>
+              <a:r>
+                <a:rPr kumimoji="0" lang="en-US" altLang="en-US" sz="1200" b="0" i="0" u="none" strike="noStrike" cap="none" normalizeH="0" baseline="0" dirty="0">
+                  <a:ln>
+                    <a:noFill/>
+                  </a:ln>
+                  <a:solidFill>
+                    <a:schemeClr val="tx1"/>
+                  </a:solidFill>
+                  <a:effectLst/>
+                  <a:latin typeface="Arial" panose="020B0604020202020204" pitchFamily="34" charset="0"/>
+                  <a:ea typeface="Times New Roman" panose="02020603050405020304" pitchFamily="18" charset="0"/>
+                  <a:cs typeface="Arial" panose="020B0604020202020204" pitchFamily="34" charset="0"/>
+                </a:rPr>
+                <a:t>5. Register Document Set</a:t>
+              </a:r>
+              <a:endParaRPr kumimoji="0" lang="en-US" altLang="en-US" sz="3600" b="0" i="0" u="none" strike="noStrike" cap="none" normalizeH="0" baseline="0" dirty="0">
                 <a:ln>
                   <a:noFill/>
                 </a:ln>
@@ -3639,11 +4332,121 @@
                 </a:solidFill>
                 <a:effectLst/>
                 <a:latin typeface="Arial" panose="020B0604020202020204" pitchFamily="34" charset="0"/>
-                <a:ea typeface="Times New Roman" panose="02020603050405020304" pitchFamily="18" charset="0"/>
-              </a:rPr>
-            </a:br>
-            <a:r>
-              <a:rPr kumimoji="0" lang="fr-FR" altLang="en-US" sz="900" b="0" i="1" u="none" strike="noStrike" cap="none" normalizeH="0" baseline="0" dirty="0">
+                <a:cs typeface="Arial" panose="020B0604020202020204" pitchFamily="34" charset="0"/>
+              </a:endParaRPr>
+            </a:p>
+          </p:txBody>
+        </p:sp>
+        <p:sp>
+          <p:nvSpPr>
+            <p:cNvPr id="18" name="Rectangle 8">
+              <a:extLst>
+                <a:ext uri="{FF2B5EF4-FFF2-40B4-BE49-F238E27FC236}">
+                  <a16:creationId xmlns:a16="http://schemas.microsoft.com/office/drawing/2014/main" id="{40E87862-02AA-7B47-ACCF-04DE6A6A2458}"/>
+                </a:ext>
+              </a:extLst>
+            </p:cNvPr>
+            <p:cNvSpPr>
+              <a:spLocks noChangeArrowheads="1"/>
+            </p:cNvSpPr>
+            <p:nvPr/>
+          </p:nvSpPr>
+          <p:spPr bwMode="auto">
+            <a:xfrm>
+              <a:off x="66674" y="111512"/>
+              <a:ext cx="1365119" cy="452438"/>
+            </a:xfrm>
+            <a:prstGeom prst="rect">
+              <a:avLst/>
+            </a:prstGeom>
+            <a:solidFill>
+              <a:srgbClr val="FFFFFF"/>
+            </a:solidFill>
+            <a:ln>
+              <a:noFill/>
+            </a:ln>
+            <a:extLst>
+              <a:ext uri="{91240B29-F687-4F45-9708-019B960494DF}">
+                <a14:hiddenLine xmlns:a14="http://schemas.microsoft.com/office/drawing/2010/main" w="9525">
+                  <a:solidFill>
+                    <a:srgbClr val="000000"/>
+                  </a:solidFill>
+                  <a:miter lim="800000"/>
+                  <a:headEnd/>
+                  <a:tailEnd/>
+                </a14:hiddenLine>
+              </a:ext>
+            </a:extLst>
+          </p:spPr>
+          <p:txBody>
+            <a:bodyPr vert="horz" wrap="square" lIns="91440" tIns="45720" rIns="91440" bIns="45720" numCol="1" anchor="t" anchorCtr="0" compatLnSpc="1">
+              <a:prstTxWarp prst="textNoShape">
+                <a:avLst/>
+              </a:prstTxWarp>
+            </a:bodyPr>
+            <a:lstStyle/>
+            <a:p>
+              <a:pPr marL="0" marR="0" lvl="0" indent="0" algn="ctr" defTabSz="914400" rtl="0" eaLnBrk="0" fontAlgn="base" latinLnBrk="0" hangingPunct="0">
+                <a:lnSpc>
+                  <a:spcPct val="100000"/>
+                </a:lnSpc>
+                <a:spcBef>
+                  <a:spcPct val="0"/>
+                </a:spcBef>
+                <a:spcAft>
+                  <a:spcPct val="0"/>
+                </a:spcAft>
+                <a:buClrTx/>
+                <a:buSzTx/>
+                <a:buFontTx/>
+                <a:buNone/>
+                <a:tabLst/>
+              </a:pPr>
+              <a:r>
+                <a:rPr kumimoji="0" lang="en-US" altLang="en-US" sz="1400" b="0" i="0" u="none" strike="noStrike" cap="none" normalizeH="0" baseline="0" dirty="0">
+                  <a:ln>
+                    <a:noFill/>
+                  </a:ln>
+                  <a:solidFill>
+                    <a:schemeClr val="tx1"/>
+                  </a:solidFill>
+                  <a:effectLst/>
+                  <a:latin typeface="Arial" panose="020B0604020202020204" pitchFamily="34" charset="0"/>
+                  <a:ea typeface="Times New Roman" panose="02020603050405020304" pitchFamily="18" charset="0"/>
+                  <a:cs typeface="Arial" panose="020B0604020202020204" pitchFamily="34" charset="0"/>
+                </a:rPr>
+                <a:t>Document Consumer:</a:t>
+              </a:r>
+              <a:br>
+                <a:rPr kumimoji="0" lang="en-US" altLang="en-US" sz="1400" b="0" i="1" u="none" strike="noStrike" cap="none" normalizeH="0" baseline="0" dirty="0">
+                  <a:ln>
+                    <a:noFill/>
+                  </a:ln>
+                  <a:solidFill>
+                    <a:schemeClr val="tx1"/>
+                  </a:solidFill>
+                  <a:effectLst/>
+                  <a:latin typeface="Arial" panose="020B0604020202020204" pitchFamily="34" charset="0"/>
+                  <a:ea typeface="Times New Roman" panose="02020603050405020304" pitchFamily="18" charset="0"/>
+                  <a:cs typeface="Arial" panose="020B0604020202020204" pitchFamily="34" charset="0"/>
+                </a:rPr>
+              </a:br>
+              <a:r>
+                <a:rPr kumimoji="0" lang="en-US" altLang="en-US" sz="1400" b="0" i="1" u="none" strike="noStrike" cap="none" normalizeH="0" baseline="0" dirty="0">
+                  <a:ln>
+                    <a:noFill/>
+                  </a:ln>
+                  <a:solidFill>
+                    <a:schemeClr val="tx1"/>
+                  </a:solidFill>
+                  <a:effectLst/>
+                  <a:latin typeface="Arial" panose="020B0604020202020204" pitchFamily="34" charset="0"/>
+                  <a:ea typeface="Times New Roman" panose="02020603050405020304" pitchFamily="18" charset="0"/>
+                  <a:cs typeface="Arial" panose="020B0604020202020204" pitchFamily="34" charset="0"/>
+                </a:rPr>
+                <a:t>(PCP EHR-CR)</a:t>
+              </a:r>
+              <a:endParaRPr kumimoji="0" lang="en-US" altLang="en-US" sz="3600" b="0" i="0" u="none" strike="noStrike" cap="none" normalizeH="0" baseline="0" dirty="0">
                 <a:ln>
                   <a:noFill/>
                 </a:ln>
@@ -3652,90 +4455,199 @@
                 </a:solidFill>
                 <a:effectLst/>
                 <a:latin typeface="Arial" panose="020B0604020202020204" pitchFamily="34" charset="0"/>
-                <a:ea typeface="Times New Roman" panose="02020603050405020304" pitchFamily="18" charset="0"/>
-              </a:rPr>
-              <a:t>(PCP EHR-CR)</a:t>
-            </a:r>
-            <a:endParaRPr kumimoji="0" lang="fr-FR" altLang="en-US" sz="1800" b="0" i="0" u="none" strike="noStrike" cap="none" normalizeH="0" baseline="0" dirty="0">
-              <a:ln>
-                <a:noFill/>
-              </a:ln>
+                <a:cs typeface="Arial" panose="020B0604020202020204" pitchFamily="34" charset="0"/>
+              </a:endParaRPr>
+            </a:p>
+          </p:txBody>
+        </p:sp>
+        <p:sp>
+          <p:nvSpPr>
+            <p:cNvPr id="19" name="Line 7">
+              <a:extLst>
+                <a:ext uri="{FF2B5EF4-FFF2-40B4-BE49-F238E27FC236}">
+                  <a16:creationId xmlns:a16="http://schemas.microsoft.com/office/drawing/2014/main" id="{08DC421C-99EF-9746-8C7A-D4744DFC9C9C}"/>
+                </a:ext>
+              </a:extLst>
+            </p:cNvPr>
+            <p:cNvSpPr>
+              <a:spLocks noChangeShapeType="1"/>
+            </p:cNvSpPr>
+            <p:nvPr/>
+          </p:nvSpPr>
+          <p:spPr bwMode="auto">
+            <a:xfrm flipH="1">
+              <a:off x="677863" y="457200"/>
+              <a:ext cx="19050" cy="2464411"/>
+            </a:xfrm>
+            <a:prstGeom prst="line">
+              <a:avLst/>
+            </a:prstGeom>
+            <a:noFill/>
+            <a:ln w="9525">
               <a:solidFill>
-                <a:schemeClr val="tx1"/>
+                <a:srgbClr val="000000"/>
               </a:solidFill>
-              <a:effectLst/>
-              <a:latin typeface="Arial" panose="020B0604020202020204" pitchFamily="34" charset="0"/>
-            </a:endParaRPr>
-          </a:p>
-        </p:txBody>
-      </p:sp>
-      <p:sp>
-        <p:nvSpPr>
-          <p:cNvPr id="8" name="Rectangle 18">
-            <a:extLst>
-              <a:ext uri="{FF2B5EF4-FFF2-40B4-BE49-F238E27FC236}">
-                <a16:creationId xmlns:a16="http://schemas.microsoft.com/office/drawing/2014/main" id="{B304F105-5C7E-4645-8D70-80C1645F5A27}"/>
-              </a:ext>
-            </a:extLst>
-          </p:cNvPr>
-          <p:cNvSpPr>
-            <a:spLocks noChangeArrowheads="1"/>
-          </p:cNvSpPr>
-          <p:nvPr/>
-        </p:nvSpPr>
-        <p:spPr bwMode="auto">
-          <a:xfrm>
-            <a:off x="4257346" y="89213"/>
-            <a:ext cx="1333497" cy="379138"/>
-          </a:xfrm>
-          <a:prstGeom prst="rect">
-            <a:avLst/>
-          </a:prstGeom>
-          <a:solidFill>
-            <a:srgbClr val="FFFFFF"/>
-          </a:solidFill>
-          <a:ln>
+              <a:prstDash val="sysDot"/>
+              <a:round/>
+              <a:headEnd/>
+              <a:tailEnd/>
+            </a:ln>
+            <a:extLst>
+              <a:ext uri="{909E8E84-426E-40DD-AFC4-6F175D3DCCD1}">
+                <a14:hiddenFill xmlns:a14="http://schemas.microsoft.com/office/drawing/2010/main">
+                  <a:noFill/>
+                </a14:hiddenFill>
+              </a:ext>
+            </a:extLst>
+          </p:spPr>
+          <p:txBody>
+            <a:bodyPr vert="horz" wrap="square" lIns="91440" tIns="45720" rIns="91440" bIns="45720" numCol="1" anchor="t" anchorCtr="0" compatLnSpc="1">
+              <a:prstTxWarp prst="textNoShape">
+                <a:avLst/>
+              </a:prstTxWarp>
+            </a:bodyPr>
+            <a:lstStyle/>
+            <a:p>
+              <a:endParaRPr lang="en-US" sz="3600"/>
+            </a:p>
+          </p:txBody>
+        </p:sp>
+        <p:sp>
+          <p:nvSpPr>
+            <p:cNvPr id="20" name="Line 6">
+              <a:extLst>
+                <a:ext uri="{FF2B5EF4-FFF2-40B4-BE49-F238E27FC236}">
+                  <a16:creationId xmlns:a16="http://schemas.microsoft.com/office/drawing/2014/main" id="{BB551912-89DC-DE41-B74D-3ED3D1770013}"/>
+                </a:ext>
+              </a:extLst>
+            </p:cNvPr>
+            <p:cNvSpPr>
+              <a:spLocks noChangeShapeType="1"/>
+            </p:cNvSpPr>
+            <p:nvPr/>
+          </p:nvSpPr>
+          <p:spPr bwMode="auto">
+            <a:xfrm>
+              <a:off x="768350" y="1728433"/>
+              <a:ext cx="4192588" cy="0"/>
+            </a:xfrm>
+            <a:prstGeom prst="line">
+              <a:avLst/>
+            </a:prstGeom>
             <a:noFill/>
-          </a:ln>
-          <a:extLst>
-            <a:ext uri="{91240B29-F687-4F45-9708-019B960494DF}">
-              <a14:hiddenLine xmlns:a14="http://schemas.microsoft.com/office/drawing/2010/main" w="9525">
-                <a:solidFill>
-                  <a:srgbClr val="000000"/>
-                </a:solidFill>
-                <a:miter lim="800000"/>
-                <a:headEnd/>
-                <a:tailEnd/>
-              </a14:hiddenLine>
-            </a:ext>
-          </a:extLst>
-        </p:spPr>
-        <p:txBody>
-          <a:bodyPr vert="horz" wrap="square" lIns="91440" tIns="45720" rIns="91440" bIns="45720" numCol="1" anchor="t" anchorCtr="0" compatLnSpc="1">
-            <a:prstTxWarp prst="textNoShape">
+            <a:ln w="9525">
+              <a:solidFill>
+                <a:srgbClr val="000000"/>
+              </a:solidFill>
+              <a:round/>
+              <a:headEnd/>
+              <a:tailEnd type="triangle" w="med" len="med"/>
+            </a:ln>
+            <a:extLst>
+              <a:ext uri="{909E8E84-426E-40DD-AFC4-6F175D3DCCD1}">
+                <a14:hiddenFill xmlns:a14="http://schemas.microsoft.com/office/drawing/2010/main">
+                  <a:noFill/>
+                </a14:hiddenFill>
+              </a:ext>
+            </a:extLst>
+          </p:spPr>
+          <p:txBody>
+            <a:bodyPr vert="horz" wrap="square" lIns="91440" tIns="45720" rIns="91440" bIns="45720" numCol="1" anchor="t" anchorCtr="0" compatLnSpc="1">
+              <a:prstTxWarp prst="textNoShape">
+                <a:avLst/>
+              </a:prstTxWarp>
+            </a:bodyPr>
+            <a:lstStyle/>
+            <a:p>
+              <a:endParaRPr lang="en-US" sz="3600"/>
+            </a:p>
+          </p:txBody>
+        </p:sp>
+        <p:sp>
+          <p:nvSpPr>
+            <p:cNvPr id="21" name="Text Box 5">
+              <a:extLst>
+                <a:ext uri="{FF2B5EF4-FFF2-40B4-BE49-F238E27FC236}">
+                  <a16:creationId xmlns:a16="http://schemas.microsoft.com/office/drawing/2014/main" id="{F671C8C4-27C4-894E-A7F1-27C431EC134C}"/>
+                </a:ext>
+              </a:extLst>
+            </p:cNvPr>
+            <p:cNvSpPr txBox="1">
+              <a:spLocks noChangeArrowheads="1"/>
+            </p:cNvSpPr>
+            <p:nvPr/>
+          </p:nvSpPr>
+          <p:spPr bwMode="auto">
+            <a:xfrm>
+              <a:off x="2117417" y="1059361"/>
+              <a:ext cx="1581150" cy="231967"/>
+            </a:xfrm>
+            <a:prstGeom prst="rect">
               <a:avLst/>
-            </a:prstTxWarp>
-          </a:bodyPr>
-          <a:lstStyle/>
-          <a:p>
-            <a:pPr marL="0" marR="0" lvl="0" indent="0" algn="ctr" defTabSz="914400" rtl="0" eaLnBrk="0" fontAlgn="base" latinLnBrk="0" hangingPunct="0">
-              <a:lnSpc>
-                <a:spcPct val="100000"/>
-              </a:lnSpc>
-              <a:spcBef>
-                <a:spcPct val="0"/>
-              </a:spcBef>
-              <a:spcAft>
-                <a:spcPct val="0"/>
-              </a:spcAft>
-              <a:buClrTx/>
-              <a:buSzTx/>
-              <a:buFontTx/>
-              <a:buNone/>
-              <a:tabLst/>
-            </a:pPr>
-            <a:r>
-              <a:rPr kumimoji="0" lang="en-US" altLang="en-US" sz="900" b="0" i="0" u="none" strike="noStrike" cap="none" normalizeH="0" baseline="0" dirty="0">
+            </a:prstGeom>
+            <a:noFill/>
+            <a:ln>
+              <a:noFill/>
+            </a:ln>
+            <a:extLst>
+              <a:ext uri="{909E8E84-426E-40DD-AFC4-6F175D3DCCD1}">
+                <a14:hiddenFill xmlns:a14="http://schemas.microsoft.com/office/drawing/2010/main">
+                  <a:solidFill>
+                    <a:srgbClr val="FFFFFF"/>
+                  </a:solidFill>
+                </a14:hiddenFill>
+              </a:ext>
+              <a:ext uri="{91240B29-F687-4F45-9708-019B960494DF}">
+                <a14:hiddenLine xmlns:a14="http://schemas.microsoft.com/office/drawing/2010/main" w="9525">
+                  <a:solidFill>
+                    <a:srgbClr val="000000"/>
+                  </a:solidFill>
+                  <a:miter lim="800000"/>
+                  <a:headEnd/>
+                  <a:tailEnd/>
+                </a14:hiddenLine>
+              </a:ext>
+            </a:extLst>
+          </p:spPr>
+          <p:txBody>
+            <a:bodyPr vert="horz" wrap="square" lIns="91440" tIns="45720" rIns="91440" bIns="45720" numCol="1" anchor="t" anchorCtr="0" compatLnSpc="1">
+              <a:prstTxWarp prst="textNoShape">
+                <a:avLst/>
+              </a:prstTxWarp>
+            </a:bodyPr>
+            <a:lstStyle/>
+            <a:p>
+              <a:pPr marL="0" marR="0" lvl="0" indent="0" algn="ctr" defTabSz="914400" rtl="0" eaLnBrk="0" fontAlgn="base" latinLnBrk="0" hangingPunct="0">
+                <a:lnSpc>
+                  <a:spcPct val="100000"/>
+                </a:lnSpc>
+                <a:spcBef>
+                  <a:spcPct val="0"/>
+                </a:spcBef>
+                <a:spcAft>
+                  <a:spcPct val="0"/>
+                </a:spcAft>
+                <a:buClrTx/>
+                <a:buSzTx/>
+                <a:buFontTx/>
+                <a:buNone/>
+                <a:tabLst/>
+              </a:pPr>
+              <a:r>
+                <a:rPr kumimoji="0" lang="en-US" altLang="en-US" sz="1200" b="0" i="0" u="none" strike="noStrike" cap="none" normalizeH="0" baseline="0">
+                  <a:ln>
+                    <a:noFill/>
+                  </a:ln>
+                  <a:solidFill>
+                    <a:schemeClr val="tx1"/>
+                  </a:solidFill>
+                  <a:effectLst/>
+                  <a:latin typeface="Arial" panose="020B0604020202020204" pitchFamily="34" charset="0"/>
+                  <a:ea typeface="Times New Roman" panose="02020603050405020304" pitchFamily="18" charset="0"/>
+                </a:rPr>
+                <a:t>1. Query Documents</a:t>
+              </a:r>
+              <a:endParaRPr kumimoji="0" lang="en-US" altLang="en-US" sz="3600" b="0" i="0" u="none" strike="noStrike" cap="none" normalizeH="0" baseline="0">
                 <a:ln>
                   <a:noFill/>
                 </a:ln>
@@ -3744,12 +4656,238 @@
                 </a:solidFill>
                 <a:effectLst/>
                 <a:latin typeface="Arial" panose="020B0604020202020204" pitchFamily="34" charset="0"/>
-                <a:ea typeface="Times New Roman" panose="02020603050405020304" pitchFamily="18" charset="0"/>
-              </a:rPr>
-              <a:t>Document Registry: </a:t>
-            </a:r>
-            <a:r>
-              <a:rPr kumimoji="0" lang="en-US" altLang="en-US" sz="900" b="0" i="1" u="none" strike="noStrike" cap="none" normalizeH="0" baseline="0" dirty="0">
+              </a:endParaRPr>
+            </a:p>
+          </p:txBody>
+        </p:sp>
+        <p:sp>
+          <p:nvSpPr>
+            <p:cNvPr id="22" name="Rectangle 4">
+              <a:extLst>
+                <a:ext uri="{FF2B5EF4-FFF2-40B4-BE49-F238E27FC236}">
+                  <a16:creationId xmlns:a16="http://schemas.microsoft.com/office/drawing/2014/main" id="{3611D009-1289-7541-8980-07604EF60C62}"/>
+                </a:ext>
+              </a:extLst>
+            </p:cNvPr>
+            <p:cNvSpPr>
+              <a:spLocks noChangeArrowheads="1"/>
+            </p:cNvSpPr>
+            <p:nvPr/>
+          </p:nvSpPr>
+          <p:spPr bwMode="auto">
+            <a:xfrm>
+              <a:off x="4960938" y="1616928"/>
+              <a:ext cx="114300" cy="280988"/>
+            </a:xfrm>
+            <a:prstGeom prst="rect">
+              <a:avLst/>
+            </a:prstGeom>
+            <a:solidFill>
+              <a:srgbClr val="FFFFFF"/>
+            </a:solidFill>
+            <a:ln w="9525">
+              <a:solidFill>
+                <a:srgbClr val="000000"/>
+              </a:solidFill>
+              <a:miter lim="800000"/>
+              <a:headEnd/>
+              <a:tailEnd/>
+            </a:ln>
+          </p:spPr>
+          <p:txBody>
+            <a:bodyPr vert="horz" wrap="square" lIns="91440" tIns="45720" rIns="91440" bIns="45720" numCol="1" anchor="t" anchorCtr="0" compatLnSpc="1">
+              <a:prstTxWarp prst="textNoShape">
+                <a:avLst/>
+              </a:prstTxWarp>
+            </a:bodyPr>
+            <a:lstStyle/>
+            <a:p>
+              <a:endParaRPr lang="en-US" sz="3600"/>
+            </a:p>
+          </p:txBody>
+        </p:sp>
+        <p:sp>
+          <p:nvSpPr>
+            <p:cNvPr id="23" name="Rectangle 3">
+              <a:extLst>
+                <a:ext uri="{FF2B5EF4-FFF2-40B4-BE49-F238E27FC236}">
+                  <a16:creationId xmlns:a16="http://schemas.microsoft.com/office/drawing/2014/main" id="{B75F5DFD-18B0-494C-AB68-887E019A86D8}"/>
+                </a:ext>
+              </a:extLst>
+            </p:cNvPr>
+            <p:cNvSpPr>
+              <a:spLocks noChangeArrowheads="1"/>
+            </p:cNvSpPr>
+            <p:nvPr/>
+          </p:nvSpPr>
+          <p:spPr bwMode="auto">
+            <a:xfrm>
+              <a:off x="3500438" y="1360445"/>
+              <a:ext cx="114300" cy="280988"/>
+            </a:xfrm>
+            <a:prstGeom prst="rect">
+              <a:avLst/>
+            </a:prstGeom>
+            <a:solidFill>
+              <a:srgbClr val="FFFFFF"/>
+            </a:solidFill>
+            <a:ln w="9525">
+              <a:solidFill>
+                <a:srgbClr val="000000"/>
+              </a:solidFill>
+              <a:miter lim="800000"/>
+              <a:headEnd/>
+              <a:tailEnd/>
+            </a:ln>
+          </p:spPr>
+          <p:txBody>
+            <a:bodyPr vert="horz" wrap="square" lIns="91440" tIns="45720" rIns="91440" bIns="45720" numCol="1" anchor="t" anchorCtr="0" compatLnSpc="1">
+              <a:prstTxWarp prst="textNoShape">
+                <a:avLst/>
+              </a:prstTxWarp>
+            </a:bodyPr>
+            <a:lstStyle/>
+            <a:p>
+              <a:endParaRPr lang="en-US" sz="3600"/>
+            </a:p>
+          </p:txBody>
+        </p:sp>
+        <p:sp>
+          <p:nvSpPr>
+            <p:cNvPr id="24" name="Line 2">
+              <a:extLst>
+                <a:ext uri="{FF2B5EF4-FFF2-40B4-BE49-F238E27FC236}">
+                  <a16:creationId xmlns:a16="http://schemas.microsoft.com/office/drawing/2014/main" id="{2E4F01E6-57B2-A44E-A879-426A6B4C5B8A}"/>
+                </a:ext>
+              </a:extLst>
+            </p:cNvPr>
+            <p:cNvSpPr>
+              <a:spLocks noChangeShapeType="1"/>
+            </p:cNvSpPr>
+            <p:nvPr/>
+          </p:nvSpPr>
+          <p:spPr bwMode="auto">
+            <a:xfrm>
+              <a:off x="768350" y="1494261"/>
+              <a:ext cx="2717800" cy="0"/>
+            </a:xfrm>
+            <a:prstGeom prst="line">
+              <a:avLst/>
+            </a:prstGeom>
+            <a:noFill/>
+            <a:ln w="9525">
+              <a:solidFill>
+                <a:srgbClr val="000000"/>
+              </a:solidFill>
+              <a:round/>
+              <a:headEnd/>
+              <a:tailEnd type="triangle" w="med" len="med"/>
+            </a:ln>
+            <a:extLst>
+              <a:ext uri="{909E8E84-426E-40DD-AFC4-6F175D3DCCD1}">
+                <a14:hiddenFill xmlns:a14="http://schemas.microsoft.com/office/drawing/2010/main">
+                  <a:noFill/>
+                </a14:hiddenFill>
+              </a:ext>
+            </a:extLst>
+          </p:spPr>
+          <p:txBody>
+            <a:bodyPr vert="horz" wrap="square" lIns="91440" tIns="45720" rIns="91440" bIns="45720" numCol="1" anchor="t" anchorCtr="0" compatLnSpc="1">
+              <a:prstTxWarp prst="textNoShape">
+                <a:avLst/>
+              </a:prstTxWarp>
+            </a:bodyPr>
+            <a:lstStyle/>
+            <a:p>
+              <a:endParaRPr lang="en-US" sz="3600"/>
+            </a:p>
+          </p:txBody>
+        </p:sp>
+        <p:sp>
+          <p:nvSpPr>
+            <p:cNvPr id="25" name="Text Box 1">
+              <a:extLst>
+                <a:ext uri="{FF2B5EF4-FFF2-40B4-BE49-F238E27FC236}">
+                  <a16:creationId xmlns:a16="http://schemas.microsoft.com/office/drawing/2014/main" id="{3BB9A85C-9117-484E-B321-63634DB979BA}"/>
+                </a:ext>
+              </a:extLst>
+            </p:cNvPr>
+            <p:cNvSpPr txBox="1">
+              <a:spLocks noChangeArrowheads="1"/>
+            </p:cNvSpPr>
+            <p:nvPr/>
+          </p:nvSpPr>
+          <p:spPr bwMode="auto">
+            <a:xfrm>
+              <a:off x="1237282" y="1293536"/>
+              <a:ext cx="1501347" cy="267627"/>
+            </a:xfrm>
+            <a:prstGeom prst="rect">
+              <a:avLst/>
+            </a:prstGeom>
+            <a:noFill/>
+            <a:ln>
+              <a:noFill/>
+            </a:ln>
+            <a:extLst>
+              <a:ext uri="{909E8E84-426E-40DD-AFC4-6F175D3DCCD1}">
+                <a14:hiddenFill xmlns:a14="http://schemas.microsoft.com/office/drawing/2010/main">
+                  <a:solidFill>
+                    <a:srgbClr val="FFFFFF"/>
+                  </a:solidFill>
+                </a14:hiddenFill>
+              </a:ext>
+              <a:ext uri="{91240B29-F687-4F45-9708-019B960494DF}">
+                <a14:hiddenLine xmlns:a14="http://schemas.microsoft.com/office/drawing/2010/main" w="9525">
+                  <a:solidFill>
+                    <a:srgbClr val="000000"/>
+                  </a:solidFill>
+                  <a:miter lim="800000"/>
+                  <a:headEnd/>
+                  <a:tailEnd/>
+                </a14:hiddenLine>
+              </a:ext>
+            </a:extLst>
+          </p:spPr>
+          <p:txBody>
+            <a:bodyPr vert="horz" wrap="square" lIns="91440" tIns="45720" rIns="91440" bIns="45720" numCol="1" anchor="t" anchorCtr="0" compatLnSpc="1">
+              <a:prstTxWarp prst="textNoShape">
+                <a:avLst/>
+              </a:prstTxWarp>
+            </a:bodyPr>
+            <a:lstStyle/>
+            <a:p>
+              <a:pPr marL="0" marR="0" lvl="0" indent="0" algn="ctr" defTabSz="914400" rtl="0" eaLnBrk="0" fontAlgn="base" latinLnBrk="0" hangingPunct="0">
+                <a:lnSpc>
+                  <a:spcPct val="100000"/>
+                </a:lnSpc>
+                <a:spcBef>
+                  <a:spcPct val="0"/>
+                </a:spcBef>
+                <a:spcAft>
+                  <a:spcPct val="0"/>
+                </a:spcAft>
+                <a:buClrTx/>
+                <a:buSzTx/>
+                <a:buFontTx/>
+                <a:buNone/>
+                <a:tabLst/>
+              </a:pPr>
+              <a:r>
+                <a:rPr kumimoji="0" lang="en-US" altLang="en-US" sz="1200" b="0" i="0" u="none" strike="noStrike" cap="none" normalizeH="0" baseline="0" dirty="0">
+                  <a:ln>
+                    <a:noFill/>
+                  </a:ln>
+                  <a:solidFill>
+                    <a:schemeClr val="tx1"/>
+                  </a:solidFill>
+                  <a:effectLst/>
+                  <a:latin typeface="Arial" panose="020B0604020202020204" pitchFamily="34" charset="0"/>
+                  <a:ea typeface="Times New Roman" panose="02020603050405020304" pitchFamily="18" charset="0"/>
+                </a:rPr>
+                <a:t>2. Retrieve Document</a:t>
+              </a:r>
+              <a:endParaRPr kumimoji="0" lang="en-US" altLang="en-US" sz="3600" b="0" i="0" u="none" strike="noStrike" cap="none" normalizeH="0" baseline="0" dirty="0">
                 <a:ln>
                   <a:noFill/>
                 </a:ln>
@@ -3758,388 +4896,192 @@
                 </a:solidFill>
                 <a:effectLst/>
                 <a:latin typeface="Arial" panose="020B0604020202020204" pitchFamily="34" charset="0"/>
-                <a:ea typeface="Times New Roman" panose="02020603050405020304" pitchFamily="18" charset="0"/>
-              </a:rPr>
-              <a:t>(Cardiology Network)</a:t>
-            </a:r>
-            <a:endParaRPr kumimoji="0" lang="en-US" altLang="en-US" sz="1800" b="0" i="0" u="none" strike="noStrike" cap="none" normalizeH="0" baseline="0" dirty="0">
-              <a:ln>
-                <a:noFill/>
-              </a:ln>
+              </a:endParaRPr>
+            </a:p>
+          </p:txBody>
+        </p:sp>
+        <p:sp>
+          <p:nvSpPr>
+            <p:cNvPr id="26" name="Line 26">
+              <a:extLst>
+                <a:ext uri="{FF2B5EF4-FFF2-40B4-BE49-F238E27FC236}">
+                  <a16:creationId xmlns:a16="http://schemas.microsoft.com/office/drawing/2014/main" id="{9621A087-D459-F348-8B4D-F795424D1EA0}"/>
+                </a:ext>
+              </a:extLst>
+            </p:cNvPr>
+            <p:cNvSpPr>
+              <a:spLocks noChangeShapeType="1"/>
+            </p:cNvSpPr>
+            <p:nvPr/>
+          </p:nvSpPr>
+          <p:spPr bwMode="auto">
+            <a:xfrm>
+              <a:off x="733425" y="1271234"/>
+              <a:ext cx="4229100" cy="0"/>
+            </a:xfrm>
+            <a:prstGeom prst="line">
+              <a:avLst/>
+            </a:prstGeom>
+            <a:noFill/>
+            <a:ln w="9525">
               <a:solidFill>
-                <a:schemeClr val="tx1"/>
+                <a:srgbClr val="000000"/>
               </a:solidFill>
-              <a:effectLst/>
-              <a:latin typeface="Arial" panose="020B0604020202020204" pitchFamily="34" charset="0"/>
-            </a:endParaRPr>
-          </a:p>
-        </p:txBody>
-      </p:sp>
-      <p:sp>
-        <p:nvSpPr>
-          <p:cNvPr id="9" name="Line 17">
-            <a:extLst>
-              <a:ext uri="{FF2B5EF4-FFF2-40B4-BE49-F238E27FC236}">
-                <a16:creationId xmlns:a16="http://schemas.microsoft.com/office/drawing/2014/main" id="{7B70C8AE-A081-6D49-A67D-484CE2521957}"/>
-              </a:ext>
-            </a:extLst>
-          </p:cNvPr>
-          <p:cNvSpPr>
-            <a:spLocks noChangeShapeType="1"/>
-          </p:cNvSpPr>
-          <p:nvPr/>
-        </p:nvSpPr>
-        <p:spPr bwMode="auto">
-          <a:xfrm flipH="1">
-            <a:off x="1995489" y="457200"/>
-            <a:ext cx="19049" cy="2464403"/>
-          </a:xfrm>
-          <a:prstGeom prst="line">
-            <a:avLst/>
-          </a:prstGeom>
-          <a:noFill/>
-          <a:ln w="9525">
+              <a:round/>
+              <a:headEnd/>
+              <a:tailEnd type="triangle" w="med" len="med"/>
+            </a:ln>
+            <a:extLst>
+              <a:ext uri="{909E8E84-426E-40DD-AFC4-6F175D3DCCD1}">
+                <a14:hiddenFill xmlns:a14="http://schemas.microsoft.com/office/drawing/2010/main">
+                  <a:noFill/>
+                </a14:hiddenFill>
+              </a:ext>
+            </a:extLst>
+          </p:spPr>
+          <p:txBody>
+            <a:bodyPr vert="horz" wrap="square" lIns="91440" tIns="45720" rIns="91440" bIns="45720" numCol="1" anchor="t" anchorCtr="0" compatLnSpc="1">
+              <a:prstTxWarp prst="textNoShape">
+                <a:avLst/>
+              </a:prstTxWarp>
+            </a:bodyPr>
+            <a:lstStyle/>
+            <a:p>
+              <a:endParaRPr lang="en-US" sz="3600"/>
+            </a:p>
+          </p:txBody>
+        </p:sp>
+        <p:sp>
+          <p:nvSpPr>
+            <p:cNvPr id="27" name="Rectangle 25">
+              <a:extLst>
+                <a:ext uri="{FF2B5EF4-FFF2-40B4-BE49-F238E27FC236}">
+                  <a16:creationId xmlns:a16="http://schemas.microsoft.com/office/drawing/2014/main" id="{FB5DE9E3-8E3E-5E4B-B9B3-B1024F7A2E22}"/>
+                </a:ext>
+              </a:extLst>
+            </p:cNvPr>
+            <p:cNvSpPr>
+              <a:spLocks noChangeArrowheads="1"/>
+            </p:cNvSpPr>
+            <p:nvPr/>
+          </p:nvSpPr>
+          <p:spPr bwMode="auto">
+            <a:xfrm>
+              <a:off x="4953000" y="2430965"/>
+              <a:ext cx="114300" cy="280988"/>
+            </a:xfrm>
+            <a:prstGeom prst="rect">
+              <a:avLst/>
+            </a:prstGeom>
             <a:solidFill>
-              <a:srgbClr val="000000"/>
+              <a:srgbClr val="FFFFFF"/>
             </a:solidFill>
-            <a:prstDash val="sysDot"/>
-            <a:round/>
-            <a:headEnd/>
-            <a:tailEnd/>
-          </a:ln>
-          <a:extLst>
-            <a:ext uri="{909E8E84-426E-40DD-AFC4-6F175D3DCCD1}">
-              <a14:hiddenFill xmlns:a14="http://schemas.microsoft.com/office/drawing/2010/main">
-                <a:noFill/>
-              </a14:hiddenFill>
-            </a:ext>
-          </a:extLst>
-        </p:spPr>
-        <p:txBody>
-          <a:bodyPr vert="horz" wrap="square" lIns="91440" tIns="45720" rIns="91440" bIns="45720" numCol="1" anchor="t" anchorCtr="0" compatLnSpc="1">
-            <a:prstTxWarp prst="textNoShape">
+            <a:ln w="9525">
+              <a:solidFill>
+                <a:srgbClr val="000000"/>
+              </a:solidFill>
+              <a:miter lim="800000"/>
+              <a:headEnd/>
+              <a:tailEnd/>
+            </a:ln>
+          </p:spPr>
+          <p:txBody>
+            <a:bodyPr vert="horz" wrap="square" lIns="91440" tIns="45720" rIns="91440" bIns="45720" numCol="1" anchor="t" anchorCtr="0" compatLnSpc="1">
+              <a:prstTxWarp prst="textNoShape">
+                <a:avLst/>
+              </a:prstTxWarp>
+            </a:bodyPr>
+            <a:lstStyle/>
+            <a:p>
+              <a:endParaRPr lang="en-US" sz="3600"/>
+            </a:p>
+          </p:txBody>
+        </p:sp>
+        <p:sp>
+          <p:nvSpPr>
+            <p:cNvPr id="28" name="Text Box 24">
+              <a:extLst>
+                <a:ext uri="{FF2B5EF4-FFF2-40B4-BE49-F238E27FC236}">
+                  <a16:creationId xmlns:a16="http://schemas.microsoft.com/office/drawing/2014/main" id="{EA5ADE75-10F6-554B-BCDF-44363F571480}"/>
+                </a:ext>
+              </a:extLst>
+            </p:cNvPr>
+            <p:cNvSpPr txBox="1">
+              <a:spLocks noChangeArrowheads="1"/>
+            </p:cNvSpPr>
+            <p:nvPr/>
+          </p:nvSpPr>
+          <p:spPr bwMode="auto">
+            <a:xfrm>
+              <a:off x="2036763" y="1523237"/>
+              <a:ext cx="1389062" cy="280981"/>
+            </a:xfrm>
+            <a:prstGeom prst="rect">
               <a:avLst/>
-            </a:prstTxWarp>
-          </a:bodyPr>
-          <a:lstStyle/>
-          <a:p>
-            <a:endParaRPr lang="en-US"/>
-          </a:p>
-        </p:txBody>
-      </p:sp>
-      <p:sp>
-        <p:nvSpPr>
-          <p:cNvPr id="10" name="Line 16">
-            <a:extLst>
-              <a:ext uri="{FF2B5EF4-FFF2-40B4-BE49-F238E27FC236}">
-                <a16:creationId xmlns:a16="http://schemas.microsoft.com/office/drawing/2014/main" id="{326BF365-07BF-C445-9A30-283B6696C574}"/>
-              </a:ext>
-            </a:extLst>
-          </p:cNvPr>
-          <p:cNvSpPr>
-            <a:spLocks noChangeShapeType="1"/>
-          </p:cNvSpPr>
-          <p:nvPr/>
-        </p:nvSpPr>
-        <p:spPr bwMode="auto">
-          <a:xfrm flipH="1">
-            <a:off x="3532187" y="457200"/>
-            <a:ext cx="30163" cy="2464401"/>
-          </a:xfrm>
-          <a:prstGeom prst="line">
-            <a:avLst/>
-          </a:prstGeom>
-          <a:noFill/>
-          <a:ln w="9525">
-            <a:solidFill>
-              <a:srgbClr val="000000"/>
-            </a:solidFill>
-            <a:prstDash val="sysDot"/>
-            <a:round/>
-            <a:headEnd/>
-            <a:tailEnd/>
-          </a:ln>
-          <a:extLst>
-            <a:ext uri="{909E8E84-426E-40DD-AFC4-6F175D3DCCD1}">
-              <a14:hiddenFill xmlns:a14="http://schemas.microsoft.com/office/drawing/2010/main">
-                <a:noFill/>
-              </a14:hiddenFill>
-            </a:ext>
-          </a:extLst>
-        </p:spPr>
-        <p:txBody>
-          <a:bodyPr vert="horz" wrap="square" lIns="91440" tIns="45720" rIns="91440" bIns="45720" numCol="1" anchor="t" anchorCtr="0" compatLnSpc="1">
-            <a:prstTxWarp prst="textNoShape">
-              <a:avLst/>
-            </a:prstTxWarp>
-          </a:bodyPr>
-          <a:lstStyle/>
-          <a:p>
-            <a:endParaRPr lang="en-US"/>
-          </a:p>
-        </p:txBody>
-      </p:sp>
-      <p:sp>
-        <p:nvSpPr>
-          <p:cNvPr id="11" name="Rectangle 15">
-            <a:extLst>
-              <a:ext uri="{FF2B5EF4-FFF2-40B4-BE49-F238E27FC236}">
-                <a16:creationId xmlns:a16="http://schemas.microsoft.com/office/drawing/2014/main" id="{F83EB713-3F25-2948-8089-BB07E7296021}"/>
-              </a:ext>
-            </a:extLst>
-          </p:cNvPr>
-          <p:cNvSpPr>
-            <a:spLocks noChangeArrowheads="1"/>
-          </p:cNvSpPr>
-          <p:nvPr/>
-        </p:nvSpPr>
-        <p:spPr bwMode="auto">
-          <a:xfrm>
-            <a:off x="1955800" y="2007219"/>
-            <a:ext cx="114300" cy="685800"/>
-          </a:xfrm>
-          <a:prstGeom prst="rect">
-            <a:avLst/>
-          </a:prstGeom>
-          <a:solidFill>
-            <a:srgbClr val="FFFFFF"/>
-          </a:solidFill>
-          <a:ln w="9525">
-            <a:solidFill>
-              <a:srgbClr val="000000"/>
-            </a:solidFill>
-            <a:miter lim="800000"/>
-            <a:headEnd/>
-            <a:tailEnd/>
-          </a:ln>
-        </p:spPr>
-        <p:txBody>
-          <a:bodyPr vert="horz" wrap="square" lIns="91440" tIns="45720" rIns="91440" bIns="45720" numCol="1" anchor="t" anchorCtr="0" compatLnSpc="1">
-            <a:prstTxWarp prst="textNoShape">
-              <a:avLst/>
-            </a:prstTxWarp>
-          </a:bodyPr>
-          <a:lstStyle/>
-          <a:p>
-            <a:endParaRPr lang="en-US"/>
-          </a:p>
-        </p:txBody>
-      </p:sp>
-      <p:sp>
-        <p:nvSpPr>
-          <p:cNvPr id="12" name="Rectangle 14">
-            <a:extLst>
-              <a:ext uri="{FF2B5EF4-FFF2-40B4-BE49-F238E27FC236}">
-                <a16:creationId xmlns:a16="http://schemas.microsoft.com/office/drawing/2014/main" id="{B8510E50-8CEE-6543-A619-06909957A9F2}"/>
-              </a:ext>
-            </a:extLst>
-          </p:cNvPr>
-          <p:cNvSpPr>
-            <a:spLocks noChangeArrowheads="1"/>
-          </p:cNvSpPr>
-          <p:nvPr/>
-        </p:nvSpPr>
-        <p:spPr bwMode="auto">
-          <a:xfrm>
-            <a:off x="3502025" y="2196784"/>
-            <a:ext cx="114300" cy="546100"/>
-          </a:xfrm>
-          <a:prstGeom prst="rect">
-            <a:avLst/>
-          </a:prstGeom>
-          <a:solidFill>
-            <a:srgbClr val="FFFFFF"/>
-          </a:solidFill>
-          <a:ln w="9525">
-            <a:solidFill>
-              <a:srgbClr val="000000"/>
-            </a:solidFill>
-            <a:miter lim="800000"/>
-            <a:headEnd/>
-            <a:tailEnd/>
-          </a:ln>
-        </p:spPr>
-        <p:txBody>
-          <a:bodyPr vert="horz" wrap="square" lIns="91440" tIns="45720" rIns="91440" bIns="45720" numCol="1" anchor="t" anchorCtr="0" compatLnSpc="1">
-            <a:prstTxWarp prst="textNoShape">
-              <a:avLst/>
-            </a:prstTxWarp>
-          </a:bodyPr>
-          <a:lstStyle/>
-          <a:p>
-            <a:endParaRPr lang="en-US"/>
-          </a:p>
-        </p:txBody>
-      </p:sp>
-      <p:sp>
-        <p:nvSpPr>
-          <p:cNvPr id="13" name="Rectangle 13">
-            <a:extLst>
-              <a:ext uri="{FF2B5EF4-FFF2-40B4-BE49-F238E27FC236}">
-                <a16:creationId xmlns:a16="http://schemas.microsoft.com/office/drawing/2014/main" id="{FF0E92D4-2F6A-6040-B1B1-162BA89AD41D}"/>
-              </a:ext>
-            </a:extLst>
-          </p:cNvPr>
-          <p:cNvSpPr>
-            <a:spLocks noChangeArrowheads="1"/>
-          </p:cNvSpPr>
-          <p:nvPr/>
-        </p:nvSpPr>
-        <p:spPr bwMode="auto">
-          <a:xfrm>
-            <a:off x="4954588" y="1170876"/>
-            <a:ext cx="114300" cy="280988"/>
-          </a:xfrm>
-          <a:prstGeom prst="rect">
-            <a:avLst/>
-          </a:prstGeom>
-          <a:solidFill>
-            <a:srgbClr val="FFFFFF"/>
-          </a:solidFill>
-          <a:ln w="9525">
-            <a:solidFill>
-              <a:srgbClr val="000000"/>
-            </a:solidFill>
-            <a:miter lim="800000"/>
-            <a:headEnd/>
-            <a:tailEnd/>
-          </a:ln>
-        </p:spPr>
-        <p:txBody>
-          <a:bodyPr vert="horz" wrap="square" lIns="91440" tIns="45720" rIns="91440" bIns="45720" numCol="1" anchor="t" anchorCtr="0" compatLnSpc="1">
-            <a:prstTxWarp prst="textNoShape">
-              <a:avLst/>
-            </a:prstTxWarp>
-          </a:bodyPr>
-          <a:lstStyle/>
-          <a:p>
-            <a:endParaRPr lang="en-US"/>
-          </a:p>
-        </p:txBody>
-      </p:sp>
-      <p:sp>
-        <p:nvSpPr>
-          <p:cNvPr id="14" name="Line 12">
-            <a:extLst>
-              <a:ext uri="{FF2B5EF4-FFF2-40B4-BE49-F238E27FC236}">
-                <a16:creationId xmlns:a16="http://schemas.microsoft.com/office/drawing/2014/main" id="{02156301-D040-CF48-B19F-B50CF381BE50}"/>
-              </a:ext>
-            </a:extLst>
-          </p:cNvPr>
-          <p:cNvSpPr>
-            <a:spLocks noChangeShapeType="1"/>
-          </p:cNvSpPr>
-          <p:nvPr/>
-        </p:nvSpPr>
-        <p:spPr bwMode="auto">
-          <a:xfrm>
-            <a:off x="2070100" y="2453267"/>
-            <a:ext cx="1409700" cy="1588"/>
-          </a:xfrm>
-          <a:prstGeom prst="line">
-            <a:avLst/>
-          </a:prstGeom>
-          <a:noFill/>
-          <a:ln w="9525">
-            <a:solidFill>
-              <a:srgbClr val="000000"/>
-            </a:solidFill>
-            <a:round/>
-            <a:headEnd/>
-            <a:tailEnd type="triangle" w="med" len="med"/>
-          </a:ln>
-          <a:extLst>
-            <a:ext uri="{909E8E84-426E-40DD-AFC4-6F175D3DCCD1}">
-              <a14:hiddenFill xmlns:a14="http://schemas.microsoft.com/office/drawing/2010/main">
-                <a:noFill/>
-              </a14:hiddenFill>
-            </a:ext>
-          </a:extLst>
-        </p:spPr>
-        <p:txBody>
-          <a:bodyPr vert="horz" wrap="square" lIns="91440" tIns="45720" rIns="91440" bIns="45720" numCol="1" anchor="t" anchorCtr="0" compatLnSpc="1">
-            <a:prstTxWarp prst="textNoShape">
-              <a:avLst/>
-            </a:prstTxWarp>
-          </a:bodyPr>
-          <a:lstStyle/>
-          <a:p>
-            <a:endParaRPr lang="en-US"/>
-          </a:p>
-        </p:txBody>
-      </p:sp>
-      <p:sp>
-        <p:nvSpPr>
-          <p:cNvPr id="15" name="Text Box 11">
-            <a:extLst>
-              <a:ext uri="{FF2B5EF4-FFF2-40B4-BE49-F238E27FC236}">
-                <a16:creationId xmlns:a16="http://schemas.microsoft.com/office/drawing/2014/main" id="{CCB50F06-89C8-C44F-96E7-A08E63BED2F0}"/>
-              </a:ext>
-            </a:extLst>
-          </p:cNvPr>
-          <p:cNvSpPr txBox="1">
-            <a:spLocks noChangeArrowheads="1"/>
-          </p:cNvSpPr>
-          <p:nvPr/>
-        </p:nvSpPr>
-        <p:spPr bwMode="auto">
-          <a:xfrm>
-            <a:off x="2166630" y="2074121"/>
-            <a:ext cx="1309688" cy="342900"/>
-          </a:xfrm>
-          <a:prstGeom prst="rect">
-            <a:avLst/>
-          </a:prstGeom>
-          <a:noFill/>
-          <a:ln>
+            </a:prstGeom>
             <a:noFill/>
-          </a:ln>
-          <a:extLst>
-            <a:ext uri="{909E8E84-426E-40DD-AFC4-6F175D3DCCD1}">
-              <a14:hiddenFill xmlns:a14="http://schemas.microsoft.com/office/drawing/2010/main">
-                <a:solidFill>
-                  <a:srgbClr val="FFFFFF"/>
-                </a:solidFill>
-              </a14:hiddenFill>
-            </a:ext>
-            <a:ext uri="{91240B29-F687-4F45-9708-019B960494DF}">
-              <a14:hiddenLine xmlns:a14="http://schemas.microsoft.com/office/drawing/2010/main" w="9525">
-                <a:solidFill>
-                  <a:srgbClr val="000000"/>
-                </a:solidFill>
-                <a:miter lim="800000"/>
-                <a:headEnd/>
-                <a:tailEnd/>
-              </a14:hiddenLine>
-            </a:ext>
-          </a:extLst>
-        </p:spPr>
-        <p:txBody>
-          <a:bodyPr vert="horz" wrap="square" lIns="91440" tIns="45720" rIns="91440" bIns="45720" numCol="1" anchor="t" anchorCtr="0" compatLnSpc="1">
-            <a:prstTxWarp prst="textNoShape">
-              <a:avLst/>
-            </a:prstTxWarp>
-          </a:bodyPr>
-          <a:lstStyle/>
-          <a:p>
-            <a:pPr marL="0" marR="0" lvl="0" indent="0" algn="ctr" defTabSz="914400" rtl="0" eaLnBrk="0" fontAlgn="base" latinLnBrk="0" hangingPunct="0">
-              <a:lnSpc>
-                <a:spcPct val="100000"/>
-              </a:lnSpc>
-              <a:spcBef>
-                <a:spcPct val="0"/>
-              </a:spcBef>
-              <a:spcAft>
-                <a:spcPct val="0"/>
-              </a:spcAft>
-              <a:buClrTx/>
-              <a:buSzTx/>
-              <a:buFontTx/>
-              <a:buNone/>
-              <a:tabLst/>
-            </a:pPr>
-            <a:r>
-              <a:rPr kumimoji="0" lang="en-US" altLang="en-US" sz="800" b="0" i="0" u="none" strike="noStrike" cap="none" normalizeH="0" baseline="0" dirty="0">
+            <a:ln>
+              <a:noFill/>
+            </a:ln>
+            <a:extLst>
+              <a:ext uri="{909E8E84-426E-40DD-AFC4-6F175D3DCCD1}">
+                <a14:hiddenFill xmlns:a14="http://schemas.microsoft.com/office/drawing/2010/main">
+                  <a:solidFill>
+                    <a:srgbClr val="FFFFFF"/>
+                  </a:solidFill>
+                </a14:hiddenFill>
+              </a:ext>
+              <a:ext uri="{91240B29-F687-4F45-9708-019B960494DF}">
+                <a14:hiddenLine xmlns:a14="http://schemas.microsoft.com/office/drawing/2010/main" w="9525">
+                  <a:solidFill>
+                    <a:srgbClr val="000000"/>
+                  </a:solidFill>
+                  <a:miter lim="800000"/>
+                  <a:headEnd/>
+                  <a:tailEnd/>
+                </a14:hiddenLine>
+              </a:ext>
+            </a:extLst>
+          </p:spPr>
+          <p:txBody>
+            <a:bodyPr vert="horz" wrap="square" lIns="91440" tIns="45720" rIns="91440" bIns="45720" numCol="1" anchor="t" anchorCtr="0" compatLnSpc="1">
+              <a:prstTxWarp prst="textNoShape">
+                <a:avLst/>
+              </a:prstTxWarp>
+            </a:bodyPr>
+            <a:lstStyle/>
+            <a:p>
+              <a:pPr marL="0" marR="0" lvl="0" indent="0" algn="ctr" defTabSz="914400" rtl="0" eaLnBrk="0" fontAlgn="base" latinLnBrk="0" hangingPunct="0">
+                <a:lnSpc>
+                  <a:spcPct val="100000"/>
+                </a:lnSpc>
+                <a:spcBef>
+                  <a:spcPct val="0"/>
+                </a:spcBef>
+                <a:spcAft>
+                  <a:spcPct val="0"/>
+                </a:spcAft>
+                <a:buClrTx/>
+                <a:buSzTx/>
+                <a:buFontTx/>
+                <a:buNone/>
+                <a:tabLst/>
+              </a:pPr>
+              <a:r>
+                <a:rPr kumimoji="0" lang="en-US" altLang="en-US" sz="1200" b="0" i="0" u="none" strike="noStrike" cap="none" normalizeH="0" baseline="0" dirty="0">
+                  <a:ln>
+                    <a:noFill/>
+                  </a:ln>
+                  <a:solidFill>
+                    <a:schemeClr val="tx1"/>
+                  </a:solidFill>
+                  <a:effectLst/>
+                  <a:latin typeface="Arial" panose="020B0604020202020204" pitchFamily="34" charset="0"/>
+                  <a:ea typeface="Times New Roman" panose="02020603050405020304" pitchFamily="18" charset="0"/>
+                </a:rPr>
+                <a:t>3. Query Documents</a:t>
+              </a:r>
+              <a:endParaRPr kumimoji="0" lang="en-US" altLang="en-US" sz="3600" b="0" i="0" u="none" strike="noStrike" cap="none" normalizeH="0" baseline="0" dirty="0">
                 <a:ln>
                   <a:noFill/>
                 </a:ln>
@@ -4148,976 +5090,57 @@
                 </a:solidFill>
                 <a:effectLst/>
                 <a:latin typeface="Arial" panose="020B0604020202020204" pitchFamily="34" charset="0"/>
-                <a:ea typeface="Times New Roman" panose="02020603050405020304" pitchFamily="18" charset="0"/>
-              </a:rPr>
-              <a:t>4. Provide and Register Document Set</a:t>
-            </a:r>
-            <a:endParaRPr kumimoji="0" lang="en-US" altLang="en-US" sz="1800" b="0" i="0" u="none" strike="noStrike" cap="none" normalizeH="0" baseline="0" dirty="0">
-              <a:ln>
-                <a:noFill/>
-              </a:ln>
+              </a:endParaRPr>
+            </a:p>
+          </p:txBody>
+        </p:sp>
+        <p:sp>
+          <p:nvSpPr>
+            <p:cNvPr id="29" name="Rectangle 23">
+              <a:extLst>
+                <a:ext uri="{FF2B5EF4-FFF2-40B4-BE49-F238E27FC236}">
+                  <a16:creationId xmlns:a16="http://schemas.microsoft.com/office/drawing/2014/main" id="{AFDAE6E5-4706-694E-A5C1-E86D19C7ACDD}"/>
+                </a:ext>
+              </a:extLst>
+            </p:cNvPr>
+            <p:cNvSpPr>
+              <a:spLocks noChangeArrowheads="1"/>
+            </p:cNvSpPr>
+            <p:nvPr/>
+          </p:nvSpPr>
+          <p:spPr bwMode="auto">
+            <a:xfrm>
+              <a:off x="647700" y="1126276"/>
+              <a:ext cx="120650" cy="701675"/>
+            </a:xfrm>
+            <a:prstGeom prst="rect">
+              <a:avLst/>
+            </a:prstGeom>
+            <a:solidFill>
+              <a:srgbClr val="FFFFFF"/>
+            </a:solidFill>
+            <a:ln w="9525">
               <a:solidFill>
-                <a:schemeClr val="tx1"/>
+                <a:srgbClr val="000000"/>
               </a:solidFill>
-              <a:effectLst/>
-              <a:latin typeface="Arial" panose="020B0604020202020204" pitchFamily="34" charset="0"/>
-            </a:endParaRPr>
-          </a:p>
-        </p:txBody>
-      </p:sp>
-      <p:sp>
-        <p:nvSpPr>
-          <p:cNvPr id="16" name="Line 10">
-            <a:extLst>
-              <a:ext uri="{FF2B5EF4-FFF2-40B4-BE49-F238E27FC236}">
-                <a16:creationId xmlns:a16="http://schemas.microsoft.com/office/drawing/2014/main" id="{D0897F56-2AFB-C247-AF45-B9BABAA85145}"/>
-              </a:ext>
-            </a:extLst>
-          </p:cNvPr>
-          <p:cNvSpPr>
-            <a:spLocks noChangeShapeType="1"/>
-          </p:cNvSpPr>
-          <p:nvPr/>
-        </p:nvSpPr>
-        <p:spPr bwMode="auto">
-          <a:xfrm>
-            <a:off x="3609975" y="2620536"/>
-            <a:ext cx="1344613" cy="0"/>
-          </a:xfrm>
-          <a:prstGeom prst="line">
-            <a:avLst/>
-          </a:prstGeom>
-          <a:noFill/>
-          <a:ln w="9525">
-            <a:solidFill>
-              <a:srgbClr val="000000"/>
-            </a:solidFill>
-            <a:round/>
-            <a:headEnd/>
-            <a:tailEnd type="triangle" w="med" len="med"/>
-          </a:ln>
-          <a:extLst>
-            <a:ext uri="{909E8E84-426E-40DD-AFC4-6F175D3DCCD1}">
-              <a14:hiddenFill xmlns:a14="http://schemas.microsoft.com/office/drawing/2010/main">
-                <a:noFill/>
-              </a14:hiddenFill>
-            </a:ext>
-          </a:extLst>
-        </p:spPr>
-        <p:txBody>
-          <a:bodyPr vert="horz" wrap="square" lIns="91440" tIns="45720" rIns="91440" bIns="45720" numCol="1" anchor="t" anchorCtr="0" compatLnSpc="1">
-            <a:prstTxWarp prst="textNoShape">
-              <a:avLst/>
-            </a:prstTxWarp>
-          </a:bodyPr>
-          <a:lstStyle/>
-          <a:p>
-            <a:endParaRPr lang="en-US"/>
-          </a:p>
-        </p:txBody>
-      </p:sp>
-      <p:sp>
-        <p:nvSpPr>
-          <p:cNvPr id="17" name="Text Box 9">
-            <a:extLst>
-              <a:ext uri="{FF2B5EF4-FFF2-40B4-BE49-F238E27FC236}">
-                <a16:creationId xmlns:a16="http://schemas.microsoft.com/office/drawing/2014/main" id="{ADA6AE78-C8CD-4844-8177-07EA83369A7C}"/>
-              </a:ext>
-            </a:extLst>
-          </p:cNvPr>
-          <p:cNvSpPr txBox="1">
-            <a:spLocks noChangeArrowheads="1"/>
-          </p:cNvSpPr>
-          <p:nvPr/>
-        </p:nvSpPr>
-        <p:spPr bwMode="auto">
-          <a:xfrm>
-            <a:off x="3706484" y="2285992"/>
-            <a:ext cx="1177925" cy="247650"/>
-          </a:xfrm>
-          <a:prstGeom prst="rect">
-            <a:avLst/>
-          </a:prstGeom>
-          <a:noFill/>
-          <a:ln>
-            <a:noFill/>
-          </a:ln>
-          <a:extLst>
-            <a:ext uri="{909E8E84-426E-40DD-AFC4-6F175D3DCCD1}">
-              <a14:hiddenFill xmlns:a14="http://schemas.microsoft.com/office/drawing/2010/main">
-                <a:solidFill>
-                  <a:srgbClr val="FFFFFF"/>
-                </a:solidFill>
-              </a14:hiddenFill>
-            </a:ext>
-            <a:ext uri="{91240B29-F687-4F45-9708-019B960494DF}">
-              <a14:hiddenLine xmlns:a14="http://schemas.microsoft.com/office/drawing/2010/main" w="9525">
-                <a:solidFill>
-                  <a:srgbClr val="000000"/>
-                </a:solidFill>
-                <a:miter lim="800000"/>
-                <a:headEnd/>
-                <a:tailEnd/>
-              </a14:hiddenLine>
-            </a:ext>
-          </a:extLst>
-        </p:spPr>
-        <p:txBody>
-          <a:bodyPr vert="horz" wrap="square" lIns="91440" tIns="45720" rIns="91440" bIns="45720" numCol="1" anchor="t" anchorCtr="0" compatLnSpc="1">
-            <a:prstTxWarp prst="textNoShape">
-              <a:avLst/>
-            </a:prstTxWarp>
-          </a:bodyPr>
-          <a:lstStyle/>
-          <a:p>
-            <a:pPr marL="0" marR="0" lvl="0" indent="0" algn="ctr" defTabSz="914400" rtl="0" eaLnBrk="0" fontAlgn="base" latinLnBrk="0" hangingPunct="0">
-              <a:lnSpc>
-                <a:spcPct val="100000"/>
-              </a:lnSpc>
-              <a:spcBef>
-                <a:spcPct val="0"/>
-              </a:spcBef>
-              <a:spcAft>
-                <a:spcPct val="0"/>
-              </a:spcAft>
-              <a:buClrTx/>
-              <a:buSzTx/>
-              <a:buFontTx/>
-              <a:buNone/>
-              <a:tabLst/>
-            </a:pPr>
-            <a:r>
-              <a:rPr kumimoji="0" lang="en-US" altLang="en-US" sz="800" b="0" i="0" u="none" strike="noStrike" cap="none" normalizeH="0" baseline="0" dirty="0">
-                <a:ln>
-                  <a:noFill/>
-                </a:ln>
-                <a:solidFill>
-                  <a:schemeClr val="tx1"/>
-                </a:solidFill>
-                <a:effectLst/>
-                <a:latin typeface="Arial" panose="020B0604020202020204" pitchFamily="34" charset="0"/>
-                <a:ea typeface="Times New Roman" panose="02020603050405020304" pitchFamily="18" charset="0"/>
-                <a:cs typeface="Arial" panose="020B0604020202020204" pitchFamily="34" charset="0"/>
-              </a:rPr>
-              <a:t>5. Register Document Set</a:t>
-            </a:r>
-            <a:endParaRPr kumimoji="0" lang="en-US" altLang="en-US" sz="1800" b="0" i="0" u="none" strike="noStrike" cap="none" normalizeH="0" baseline="0" dirty="0">
-              <a:ln>
-                <a:noFill/>
-              </a:ln>
-              <a:solidFill>
-                <a:schemeClr val="tx1"/>
-              </a:solidFill>
-              <a:effectLst/>
-              <a:latin typeface="Arial" panose="020B0604020202020204" pitchFamily="34" charset="0"/>
-              <a:cs typeface="Arial" panose="020B0604020202020204" pitchFamily="34" charset="0"/>
-            </a:endParaRPr>
-          </a:p>
-        </p:txBody>
-      </p:sp>
-      <p:sp>
-        <p:nvSpPr>
-          <p:cNvPr id="18" name="Rectangle 8">
-            <a:extLst>
-              <a:ext uri="{FF2B5EF4-FFF2-40B4-BE49-F238E27FC236}">
-                <a16:creationId xmlns:a16="http://schemas.microsoft.com/office/drawing/2014/main" id="{40E87862-02AA-7B47-ACCF-04DE6A6A2458}"/>
-              </a:ext>
-            </a:extLst>
-          </p:cNvPr>
-          <p:cNvSpPr>
-            <a:spLocks noChangeArrowheads="1"/>
-          </p:cNvSpPr>
-          <p:nvPr/>
-        </p:nvSpPr>
-        <p:spPr bwMode="auto">
-          <a:xfrm>
-            <a:off x="66674" y="111512"/>
-            <a:ext cx="1365119" cy="452438"/>
-          </a:xfrm>
-          <a:prstGeom prst="rect">
-            <a:avLst/>
-          </a:prstGeom>
-          <a:solidFill>
-            <a:srgbClr val="FFFFFF"/>
-          </a:solidFill>
-          <a:ln>
-            <a:noFill/>
-          </a:ln>
-          <a:extLst>
-            <a:ext uri="{91240B29-F687-4F45-9708-019B960494DF}">
-              <a14:hiddenLine xmlns:a14="http://schemas.microsoft.com/office/drawing/2010/main" w="9525">
-                <a:solidFill>
-                  <a:srgbClr val="000000"/>
-                </a:solidFill>
-                <a:miter lim="800000"/>
-                <a:headEnd/>
-                <a:tailEnd/>
-              </a14:hiddenLine>
-            </a:ext>
-          </a:extLst>
-        </p:spPr>
-        <p:txBody>
-          <a:bodyPr vert="horz" wrap="square" lIns="91440" tIns="45720" rIns="91440" bIns="45720" numCol="1" anchor="t" anchorCtr="0" compatLnSpc="1">
-            <a:prstTxWarp prst="textNoShape">
-              <a:avLst/>
-            </a:prstTxWarp>
-          </a:bodyPr>
-          <a:lstStyle/>
-          <a:p>
-            <a:pPr marL="0" marR="0" lvl="0" indent="0" algn="ctr" defTabSz="914400" rtl="0" eaLnBrk="0" fontAlgn="base" latinLnBrk="0" hangingPunct="0">
-              <a:lnSpc>
-                <a:spcPct val="100000"/>
-              </a:lnSpc>
-              <a:spcBef>
-                <a:spcPct val="0"/>
-              </a:spcBef>
-              <a:spcAft>
-                <a:spcPct val="0"/>
-              </a:spcAft>
-              <a:buClrTx/>
-              <a:buSzTx/>
-              <a:buFontTx/>
-              <a:buNone/>
-              <a:tabLst/>
-            </a:pPr>
-            <a:r>
-              <a:rPr kumimoji="0" lang="en-US" altLang="en-US" sz="900" b="0" i="0" u="none" strike="noStrike" cap="none" normalizeH="0" baseline="0" dirty="0">
-                <a:ln>
-                  <a:noFill/>
-                </a:ln>
-                <a:solidFill>
-                  <a:schemeClr val="tx1"/>
-                </a:solidFill>
-                <a:effectLst/>
-                <a:latin typeface="Arial" panose="020B0604020202020204" pitchFamily="34" charset="0"/>
-                <a:ea typeface="Times New Roman" panose="02020603050405020304" pitchFamily="18" charset="0"/>
-                <a:cs typeface="Arial" panose="020B0604020202020204" pitchFamily="34" charset="0"/>
-              </a:rPr>
-              <a:t>Document Consumer:</a:t>
-            </a:r>
-            <a:br>
-              <a:rPr kumimoji="0" lang="en-US" altLang="en-US" sz="900" b="0" i="1" u="none" strike="noStrike" cap="none" normalizeH="0" baseline="0" dirty="0">
-                <a:ln>
-                  <a:noFill/>
-                </a:ln>
-                <a:solidFill>
-                  <a:schemeClr val="tx1"/>
-                </a:solidFill>
-                <a:effectLst/>
-                <a:latin typeface="Arial" panose="020B0604020202020204" pitchFamily="34" charset="0"/>
-                <a:ea typeface="Times New Roman" panose="02020603050405020304" pitchFamily="18" charset="0"/>
-                <a:cs typeface="Arial" panose="020B0604020202020204" pitchFamily="34" charset="0"/>
-              </a:rPr>
-            </a:br>
-            <a:r>
-              <a:rPr kumimoji="0" lang="en-US" altLang="en-US" sz="900" b="0" i="1" u="none" strike="noStrike" cap="none" normalizeH="0" baseline="0" dirty="0">
-                <a:ln>
-                  <a:noFill/>
-                </a:ln>
-                <a:solidFill>
-                  <a:schemeClr val="tx1"/>
-                </a:solidFill>
-                <a:effectLst/>
-                <a:latin typeface="Arial" panose="020B0604020202020204" pitchFamily="34" charset="0"/>
-                <a:ea typeface="Times New Roman" panose="02020603050405020304" pitchFamily="18" charset="0"/>
-                <a:cs typeface="Arial" panose="020B0604020202020204" pitchFamily="34" charset="0"/>
-              </a:rPr>
-              <a:t>(PCP EHR-CR)</a:t>
-            </a:r>
-            <a:endParaRPr kumimoji="0" lang="en-US" altLang="en-US" sz="1800" b="0" i="0" u="none" strike="noStrike" cap="none" normalizeH="0" baseline="0" dirty="0">
-              <a:ln>
-                <a:noFill/>
-              </a:ln>
-              <a:solidFill>
-                <a:schemeClr val="tx1"/>
-              </a:solidFill>
-              <a:effectLst/>
-              <a:latin typeface="Arial" panose="020B0604020202020204" pitchFamily="34" charset="0"/>
-              <a:cs typeface="Arial" panose="020B0604020202020204" pitchFamily="34" charset="0"/>
-            </a:endParaRPr>
-          </a:p>
-        </p:txBody>
-      </p:sp>
-      <p:sp>
-        <p:nvSpPr>
-          <p:cNvPr id="19" name="Line 7">
-            <a:extLst>
-              <a:ext uri="{FF2B5EF4-FFF2-40B4-BE49-F238E27FC236}">
-                <a16:creationId xmlns:a16="http://schemas.microsoft.com/office/drawing/2014/main" id="{08DC421C-99EF-9746-8C7A-D4744DFC9C9C}"/>
-              </a:ext>
-            </a:extLst>
-          </p:cNvPr>
-          <p:cNvSpPr>
-            <a:spLocks noChangeShapeType="1"/>
-          </p:cNvSpPr>
-          <p:nvPr/>
-        </p:nvSpPr>
-        <p:spPr bwMode="auto">
-          <a:xfrm flipH="1">
-            <a:off x="677863" y="457200"/>
-            <a:ext cx="19050" cy="2464411"/>
-          </a:xfrm>
-          <a:prstGeom prst="line">
-            <a:avLst/>
-          </a:prstGeom>
-          <a:noFill/>
-          <a:ln w="9525">
-            <a:solidFill>
-              <a:srgbClr val="000000"/>
-            </a:solidFill>
-            <a:prstDash val="sysDot"/>
-            <a:round/>
-            <a:headEnd/>
-            <a:tailEnd/>
-          </a:ln>
-          <a:extLst>
-            <a:ext uri="{909E8E84-426E-40DD-AFC4-6F175D3DCCD1}">
-              <a14:hiddenFill xmlns:a14="http://schemas.microsoft.com/office/drawing/2010/main">
-                <a:noFill/>
-              </a14:hiddenFill>
-            </a:ext>
-          </a:extLst>
-        </p:spPr>
-        <p:txBody>
-          <a:bodyPr vert="horz" wrap="square" lIns="91440" tIns="45720" rIns="91440" bIns="45720" numCol="1" anchor="t" anchorCtr="0" compatLnSpc="1">
-            <a:prstTxWarp prst="textNoShape">
-              <a:avLst/>
-            </a:prstTxWarp>
-          </a:bodyPr>
-          <a:lstStyle/>
-          <a:p>
-            <a:endParaRPr lang="en-US"/>
-          </a:p>
-        </p:txBody>
-      </p:sp>
-      <p:sp>
-        <p:nvSpPr>
-          <p:cNvPr id="20" name="Line 6">
-            <a:extLst>
-              <a:ext uri="{FF2B5EF4-FFF2-40B4-BE49-F238E27FC236}">
-                <a16:creationId xmlns:a16="http://schemas.microsoft.com/office/drawing/2014/main" id="{BB551912-89DC-DE41-B74D-3ED3D1770013}"/>
-              </a:ext>
-            </a:extLst>
-          </p:cNvPr>
-          <p:cNvSpPr>
-            <a:spLocks noChangeShapeType="1"/>
-          </p:cNvSpPr>
-          <p:nvPr/>
-        </p:nvSpPr>
-        <p:spPr bwMode="auto">
-          <a:xfrm>
-            <a:off x="768350" y="1728433"/>
-            <a:ext cx="4192588" cy="0"/>
-          </a:xfrm>
-          <a:prstGeom prst="line">
-            <a:avLst/>
-          </a:prstGeom>
-          <a:noFill/>
-          <a:ln w="9525">
-            <a:solidFill>
-              <a:srgbClr val="000000"/>
-            </a:solidFill>
-            <a:round/>
-            <a:headEnd/>
-            <a:tailEnd type="triangle" w="med" len="med"/>
-          </a:ln>
-          <a:extLst>
-            <a:ext uri="{909E8E84-426E-40DD-AFC4-6F175D3DCCD1}">
-              <a14:hiddenFill xmlns:a14="http://schemas.microsoft.com/office/drawing/2010/main">
-                <a:noFill/>
-              </a14:hiddenFill>
-            </a:ext>
-          </a:extLst>
-        </p:spPr>
-        <p:txBody>
-          <a:bodyPr vert="horz" wrap="square" lIns="91440" tIns="45720" rIns="91440" bIns="45720" numCol="1" anchor="t" anchorCtr="0" compatLnSpc="1">
-            <a:prstTxWarp prst="textNoShape">
-              <a:avLst/>
-            </a:prstTxWarp>
-          </a:bodyPr>
-          <a:lstStyle/>
-          <a:p>
-            <a:endParaRPr lang="en-US"/>
-          </a:p>
-        </p:txBody>
-      </p:sp>
-      <p:sp>
-        <p:nvSpPr>
-          <p:cNvPr id="21" name="Text Box 5">
-            <a:extLst>
-              <a:ext uri="{FF2B5EF4-FFF2-40B4-BE49-F238E27FC236}">
-                <a16:creationId xmlns:a16="http://schemas.microsoft.com/office/drawing/2014/main" id="{F671C8C4-27C4-894E-A7F1-27C431EC134C}"/>
-              </a:ext>
-            </a:extLst>
-          </p:cNvPr>
-          <p:cNvSpPr txBox="1">
-            <a:spLocks noChangeArrowheads="1"/>
-          </p:cNvSpPr>
-          <p:nvPr/>
-        </p:nvSpPr>
-        <p:spPr bwMode="auto">
-          <a:xfrm>
-            <a:off x="2117417" y="1059361"/>
-            <a:ext cx="1581150" cy="231967"/>
-          </a:xfrm>
-          <a:prstGeom prst="rect">
-            <a:avLst/>
-          </a:prstGeom>
-          <a:noFill/>
-          <a:ln>
-            <a:noFill/>
-          </a:ln>
-          <a:extLst>
-            <a:ext uri="{909E8E84-426E-40DD-AFC4-6F175D3DCCD1}">
-              <a14:hiddenFill xmlns:a14="http://schemas.microsoft.com/office/drawing/2010/main">
-                <a:solidFill>
-                  <a:srgbClr val="FFFFFF"/>
-                </a:solidFill>
-              </a14:hiddenFill>
-            </a:ext>
-            <a:ext uri="{91240B29-F687-4F45-9708-019B960494DF}">
-              <a14:hiddenLine xmlns:a14="http://schemas.microsoft.com/office/drawing/2010/main" w="9525">
-                <a:solidFill>
-                  <a:srgbClr val="000000"/>
-                </a:solidFill>
-                <a:miter lim="800000"/>
-                <a:headEnd/>
-                <a:tailEnd/>
-              </a14:hiddenLine>
-            </a:ext>
-          </a:extLst>
-        </p:spPr>
-        <p:txBody>
-          <a:bodyPr vert="horz" wrap="square" lIns="91440" tIns="45720" rIns="91440" bIns="45720" numCol="1" anchor="t" anchorCtr="0" compatLnSpc="1">
-            <a:prstTxWarp prst="textNoShape">
-              <a:avLst/>
-            </a:prstTxWarp>
-          </a:bodyPr>
-          <a:lstStyle/>
-          <a:p>
-            <a:pPr marL="0" marR="0" lvl="0" indent="0" algn="ctr" defTabSz="914400" rtl="0" eaLnBrk="0" fontAlgn="base" latinLnBrk="0" hangingPunct="0">
-              <a:lnSpc>
-                <a:spcPct val="100000"/>
-              </a:lnSpc>
-              <a:spcBef>
-                <a:spcPct val="0"/>
-              </a:spcBef>
-              <a:spcAft>
-                <a:spcPct val="0"/>
-              </a:spcAft>
-              <a:buClrTx/>
-              <a:buSzTx/>
-              <a:buFontTx/>
-              <a:buNone/>
-              <a:tabLst/>
-            </a:pPr>
-            <a:r>
-              <a:rPr kumimoji="0" lang="en-US" altLang="en-US" sz="800" b="0" i="0" u="none" strike="noStrike" cap="none" normalizeH="0" baseline="0">
-                <a:ln>
-                  <a:noFill/>
-                </a:ln>
-                <a:solidFill>
-                  <a:schemeClr val="tx1"/>
-                </a:solidFill>
-                <a:effectLst/>
-                <a:latin typeface="Arial" panose="020B0604020202020204" pitchFamily="34" charset="0"/>
-                <a:ea typeface="Times New Roman" panose="02020603050405020304" pitchFamily="18" charset="0"/>
-              </a:rPr>
-              <a:t>1. Query Documents</a:t>
-            </a:r>
-            <a:endParaRPr kumimoji="0" lang="en-US" altLang="en-US" sz="1800" b="0" i="0" u="none" strike="noStrike" cap="none" normalizeH="0" baseline="0">
-              <a:ln>
-                <a:noFill/>
-              </a:ln>
-              <a:solidFill>
-                <a:schemeClr val="tx1"/>
-              </a:solidFill>
-              <a:effectLst/>
-              <a:latin typeface="Arial" panose="020B0604020202020204" pitchFamily="34" charset="0"/>
-            </a:endParaRPr>
-          </a:p>
-        </p:txBody>
-      </p:sp>
-      <p:sp>
-        <p:nvSpPr>
-          <p:cNvPr id="22" name="Rectangle 4">
-            <a:extLst>
-              <a:ext uri="{FF2B5EF4-FFF2-40B4-BE49-F238E27FC236}">
-                <a16:creationId xmlns:a16="http://schemas.microsoft.com/office/drawing/2014/main" id="{3611D009-1289-7541-8980-07604EF60C62}"/>
-              </a:ext>
-            </a:extLst>
-          </p:cNvPr>
-          <p:cNvSpPr>
-            <a:spLocks noChangeArrowheads="1"/>
-          </p:cNvSpPr>
-          <p:nvPr/>
-        </p:nvSpPr>
-        <p:spPr bwMode="auto">
-          <a:xfrm>
-            <a:off x="4960938" y="1616928"/>
-            <a:ext cx="114300" cy="280988"/>
-          </a:xfrm>
-          <a:prstGeom prst="rect">
-            <a:avLst/>
-          </a:prstGeom>
-          <a:solidFill>
-            <a:srgbClr val="FFFFFF"/>
-          </a:solidFill>
-          <a:ln w="9525">
-            <a:solidFill>
-              <a:srgbClr val="000000"/>
-            </a:solidFill>
-            <a:miter lim="800000"/>
-            <a:headEnd/>
-            <a:tailEnd/>
-          </a:ln>
-        </p:spPr>
-        <p:txBody>
-          <a:bodyPr vert="horz" wrap="square" lIns="91440" tIns="45720" rIns="91440" bIns="45720" numCol="1" anchor="t" anchorCtr="0" compatLnSpc="1">
-            <a:prstTxWarp prst="textNoShape">
-              <a:avLst/>
-            </a:prstTxWarp>
-          </a:bodyPr>
-          <a:lstStyle/>
-          <a:p>
-            <a:endParaRPr lang="en-US"/>
-          </a:p>
-        </p:txBody>
-      </p:sp>
-      <p:sp>
-        <p:nvSpPr>
-          <p:cNvPr id="23" name="Rectangle 3">
-            <a:extLst>
-              <a:ext uri="{FF2B5EF4-FFF2-40B4-BE49-F238E27FC236}">
-                <a16:creationId xmlns:a16="http://schemas.microsoft.com/office/drawing/2014/main" id="{B75F5DFD-18B0-494C-AB68-887E019A86D8}"/>
-              </a:ext>
-            </a:extLst>
-          </p:cNvPr>
-          <p:cNvSpPr>
-            <a:spLocks noChangeArrowheads="1"/>
-          </p:cNvSpPr>
-          <p:nvPr/>
-        </p:nvSpPr>
-        <p:spPr bwMode="auto">
-          <a:xfrm>
-            <a:off x="3500438" y="1360445"/>
-            <a:ext cx="114300" cy="280988"/>
-          </a:xfrm>
-          <a:prstGeom prst="rect">
-            <a:avLst/>
-          </a:prstGeom>
-          <a:solidFill>
-            <a:srgbClr val="FFFFFF"/>
-          </a:solidFill>
-          <a:ln w="9525">
-            <a:solidFill>
-              <a:srgbClr val="000000"/>
-            </a:solidFill>
-            <a:miter lim="800000"/>
-            <a:headEnd/>
-            <a:tailEnd/>
-          </a:ln>
-        </p:spPr>
-        <p:txBody>
-          <a:bodyPr vert="horz" wrap="square" lIns="91440" tIns="45720" rIns="91440" bIns="45720" numCol="1" anchor="t" anchorCtr="0" compatLnSpc="1">
-            <a:prstTxWarp prst="textNoShape">
-              <a:avLst/>
-            </a:prstTxWarp>
-          </a:bodyPr>
-          <a:lstStyle/>
-          <a:p>
-            <a:endParaRPr lang="en-US"/>
-          </a:p>
-        </p:txBody>
-      </p:sp>
-      <p:sp>
-        <p:nvSpPr>
-          <p:cNvPr id="24" name="Line 2">
-            <a:extLst>
-              <a:ext uri="{FF2B5EF4-FFF2-40B4-BE49-F238E27FC236}">
-                <a16:creationId xmlns:a16="http://schemas.microsoft.com/office/drawing/2014/main" id="{2E4F01E6-57B2-A44E-A879-426A6B4C5B8A}"/>
-              </a:ext>
-            </a:extLst>
-          </p:cNvPr>
-          <p:cNvSpPr>
-            <a:spLocks noChangeShapeType="1"/>
-          </p:cNvSpPr>
-          <p:nvPr/>
-        </p:nvSpPr>
-        <p:spPr bwMode="auto">
-          <a:xfrm>
-            <a:off x="768350" y="1494261"/>
-            <a:ext cx="2717800" cy="0"/>
-          </a:xfrm>
-          <a:prstGeom prst="line">
-            <a:avLst/>
-          </a:prstGeom>
-          <a:noFill/>
-          <a:ln w="9525">
-            <a:solidFill>
-              <a:srgbClr val="000000"/>
-            </a:solidFill>
-            <a:round/>
-            <a:headEnd/>
-            <a:tailEnd type="triangle" w="med" len="med"/>
-          </a:ln>
-          <a:extLst>
-            <a:ext uri="{909E8E84-426E-40DD-AFC4-6F175D3DCCD1}">
-              <a14:hiddenFill xmlns:a14="http://schemas.microsoft.com/office/drawing/2010/main">
-                <a:noFill/>
-              </a14:hiddenFill>
-            </a:ext>
-          </a:extLst>
-        </p:spPr>
-        <p:txBody>
-          <a:bodyPr vert="horz" wrap="square" lIns="91440" tIns="45720" rIns="91440" bIns="45720" numCol="1" anchor="t" anchorCtr="0" compatLnSpc="1">
-            <a:prstTxWarp prst="textNoShape">
-              <a:avLst/>
-            </a:prstTxWarp>
-          </a:bodyPr>
-          <a:lstStyle/>
-          <a:p>
-            <a:endParaRPr lang="en-US"/>
-          </a:p>
-        </p:txBody>
-      </p:sp>
-      <p:sp>
-        <p:nvSpPr>
-          <p:cNvPr id="25" name="Text Box 1">
-            <a:extLst>
-              <a:ext uri="{FF2B5EF4-FFF2-40B4-BE49-F238E27FC236}">
-                <a16:creationId xmlns:a16="http://schemas.microsoft.com/office/drawing/2014/main" id="{3BB9A85C-9117-484E-B321-63634DB979BA}"/>
-              </a:ext>
-            </a:extLst>
-          </p:cNvPr>
-          <p:cNvSpPr txBox="1">
-            <a:spLocks noChangeArrowheads="1"/>
-          </p:cNvSpPr>
-          <p:nvPr/>
-        </p:nvSpPr>
-        <p:spPr bwMode="auto">
-          <a:xfrm>
-            <a:off x="1237282" y="1293536"/>
-            <a:ext cx="1501347" cy="267627"/>
-          </a:xfrm>
-          <a:prstGeom prst="rect">
-            <a:avLst/>
-          </a:prstGeom>
-          <a:noFill/>
-          <a:ln>
-            <a:noFill/>
-          </a:ln>
-          <a:extLst>
-            <a:ext uri="{909E8E84-426E-40DD-AFC4-6F175D3DCCD1}">
-              <a14:hiddenFill xmlns:a14="http://schemas.microsoft.com/office/drawing/2010/main">
-                <a:solidFill>
-                  <a:srgbClr val="FFFFFF"/>
-                </a:solidFill>
-              </a14:hiddenFill>
-            </a:ext>
-            <a:ext uri="{91240B29-F687-4F45-9708-019B960494DF}">
-              <a14:hiddenLine xmlns:a14="http://schemas.microsoft.com/office/drawing/2010/main" w="9525">
-                <a:solidFill>
-                  <a:srgbClr val="000000"/>
-                </a:solidFill>
-                <a:miter lim="800000"/>
-                <a:headEnd/>
-                <a:tailEnd/>
-              </a14:hiddenLine>
-            </a:ext>
-          </a:extLst>
-        </p:spPr>
-        <p:txBody>
-          <a:bodyPr vert="horz" wrap="square" lIns="91440" tIns="45720" rIns="91440" bIns="45720" numCol="1" anchor="t" anchorCtr="0" compatLnSpc="1">
-            <a:prstTxWarp prst="textNoShape">
-              <a:avLst/>
-            </a:prstTxWarp>
-          </a:bodyPr>
-          <a:lstStyle/>
-          <a:p>
-            <a:pPr marL="0" marR="0" lvl="0" indent="0" algn="ctr" defTabSz="914400" rtl="0" eaLnBrk="0" fontAlgn="base" latinLnBrk="0" hangingPunct="0">
-              <a:lnSpc>
-                <a:spcPct val="100000"/>
-              </a:lnSpc>
-              <a:spcBef>
-                <a:spcPct val="0"/>
-              </a:spcBef>
-              <a:spcAft>
-                <a:spcPct val="0"/>
-              </a:spcAft>
-              <a:buClrTx/>
-              <a:buSzTx/>
-              <a:buFontTx/>
-              <a:buNone/>
-              <a:tabLst/>
-            </a:pPr>
-            <a:r>
-              <a:rPr kumimoji="0" lang="en-US" altLang="en-US" sz="800" b="0" i="0" u="none" strike="noStrike" cap="none" normalizeH="0" baseline="0" dirty="0">
-                <a:ln>
-                  <a:noFill/>
-                </a:ln>
-                <a:solidFill>
-                  <a:schemeClr val="tx1"/>
-                </a:solidFill>
-                <a:effectLst/>
-                <a:latin typeface="Arial" panose="020B0604020202020204" pitchFamily="34" charset="0"/>
-                <a:ea typeface="Times New Roman" panose="02020603050405020304" pitchFamily="18" charset="0"/>
-              </a:rPr>
-              <a:t>2. Retrieve Document</a:t>
-            </a:r>
-            <a:endParaRPr kumimoji="0" lang="en-US" altLang="en-US" sz="1800" b="0" i="0" u="none" strike="noStrike" cap="none" normalizeH="0" baseline="0" dirty="0">
-              <a:ln>
-                <a:noFill/>
-              </a:ln>
-              <a:solidFill>
-                <a:schemeClr val="tx1"/>
-              </a:solidFill>
-              <a:effectLst/>
-              <a:latin typeface="Arial" panose="020B0604020202020204" pitchFamily="34" charset="0"/>
-            </a:endParaRPr>
-          </a:p>
-        </p:txBody>
-      </p:sp>
-      <p:sp>
-        <p:nvSpPr>
-          <p:cNvPr id="26" name="Line 26">
-            <a:extLst>
-              <a:ext uri="{FF2B5EF4-FFF2-40B4-BE49-F238E27FC236}">
-                <a16:creationId xmlns:a16="http://schemas.microsoft.com/office/drawing/2014/main" id="{9621A087-D459-F348-8B4D-F795424D1EA0}"/>
-              </a:ext>
-            </a:extLst>
-          </p:cNvPr>
-          <p:cNvSpPr>
-            <a:spLocks noChangeShapeType="1"/>
-          </p:cNvSpPr>
-          <p:nvPr/>
-        </p:nvSpPr>
-        <p:spPr bwMode="auto">
-          <a:xfrm>
-            <a:off x="733425" y="1271234"/>
-            <a:ext cx="4229100" cy="0"/>
-          </a:xfrm>
-          <a:prstGeom prst="line">
-            <a:avLst/>
-          </a:prstGeom>
-          <a:noFill/>
-          <a:ln w="9525">
-            <a:solidFill>
-              <a:srgbClr val="000000"/>
-            </a:solidFill>
-            <a:round/>
-            <a:headEnd/>
-            <a:tailEnd type="triangle" w="med" len="med"/>
-          </a:ln>
-          <a:extLst>
-            <a:ext uri="{909E8E84-426E-40DD-AFC4-6F175D3DCCD1}">
-              <a14:hiddenFill xmlns:a14="http://schemas.microsoft.com/office/drawing/2010/main">
-                <a:noFill/>
-              </a14:hiddenFill>
-            </a:ext>
-          </a:extLst>
-        </p:spPr>
-        <p:txBody>
-          <a:bodyPr vert="horz" wrap="square" lIns="91440" tIns="45720" rIns="91440" bIns="45720" numCol="1" anchor="t" anchorCtr="0" compatLnSpc="1">
-            <a:prstTxWarp prst="textNoShape">
-              <a:avLst/>
-            </a:prstTxWarp>
-          </a:bodyPr>
-          <a:lstStyle/>
-          <a:p>
-            <a:endParaRPr lang="en-US"/>
-          </a:p>
-        </p:txBody>
-      </p:sp>
-      <p:sp>
-        <p:nvSpPr>
-          <p:cNvPr id="27" name="Rectangle 25">
-            <a:extLst>
-              <a:ext uri="{FF2B5EF4-FFF2-40B4-BE49-F238E27FC236}">
-                <a16:creationId xmlns:a16="http://schemas.microsoft.com/office/drawing/2014/main" id="{FB5DE9E3-8E3E-5E4B-B9B3-B1024F7A2E22}"/>
-              </a:ext>
-            </a:extLst>
-          </p:cNvPr>
-          <p:cNvSpPr>
-            <a:spLocks noChangeArrowheads="1"/>
-          </p:cNvSpPr>
-          <p:nvPr/>
-        </p:nvSpPr>
-        <p:spPr bwMode="auto">
-          <a:xfrm>
-            <a:off x="4953000" y="2430965"/>
-            <a:ext cx="114300" cy="280988"/>
-          </a:xfrm>
-          <a:prstGeom prst="rect">
-            <a:avLst/>
-          </a:prstGeom>
-          <a:solidFill>
-            <a:srgbClr val="FFFFFF"/>
-          </a:solidFill>
-          <a:ln w="9525">
-            <a:solidFill>
-              <a:srgbClr val="000000"/>
-            </a:solidFill>
-            <a:miter lim="800000"/>
-            <a:headEnd/>
-            <a:tailEnd/>
-          </a:ln>
-        </p:spPr>
-        <p:txBody>
-          <a:bodyPr vert="horz" wrap="square" lIns="91440" tIns="45720" rIns="91440" bIns="45720" numCol="1" anchor="t" anchorCtr="0" compatLnSpc="1">
-            <a:prstTxWarp prst="textNoShape">
-              <a:avLst/>
-            </a:prstTxWarp>
-          </a:bodyPr>
-          <a:lstStyle/>
-          <a:p>
-            <a:endParaRPr lang="en-US"/>
-          </a:p>
-        </p:txBody>
-      </p:sp>
-      <p:sp>
-        <p:nvSpPr>
-          <p:cNvPr id="28" name="Text Box 24">
-            <a:extLst>
-              <a:ext uri="{FF2B5EF4-FFF2-40B4-BE49-F238E27FC236}">
-                <a16:creationId xmlns:a16="http://schemas.microsoft.com/office/drawing/2014/main" id="{EA5ADE75-10F6-554B-BCDF-44363F571480}"/>
-              </a:ext>
-            </a:extLst>
-          </p:cNvPr>
-          <p:cNvSpPr txBox="1">
-            <a:spLocks noChangeArrowheads="1"/>
-          </p:cNvSpPr>
-          <p:nvPr/>
-        </p:nvSpPr>
-        <p:spPr bwMode="auto">
-          <a:xfrm>
-            <a:off x="2036763" y="1523237"/>
-            <a:ext cx="1389062" cy="280981"/>
-          </a:xfrm>
-          <a:prstGeom prst="rect">
-            <a:avLst/>
-          </a:prstGeom>
-          <a:noFill/>
-          <a:ln>
-            <a:noFill/>
-          </a:ln>
-          <a:extLst>
-            <a:ext uri="{909E8E84-426E-40DD-AFC4-6F175D3DCCD1}">
-              <a14:hiddenFill xmlns:a14="http://schemas.microsoft.com/office/drawing/2010/main">
-                <a:solidFill>
-                  <a:srgbClr val="FFFFFF"/>
-                </a:solidFill>
-              </a14:hiddenFill>
-            </a:ext>
-            <a:ext uri="{91240B29-F687-4F45-9708-019B960494DF}">
-              <a14:hiddenLine xmlns:a14="http://schemas.microsoft.com/office/drawing/2010/main" w="9525">
-                <a:solidFill>
-                  <a:srgbClr val="000000"/>
-                </a:solidFill>
-                <a:miter lim="800000"/>
-                <a:headEnd/>
-                <a:tailEnd/>
-              </a14:hiddenLine>
-            </a:ext>
-          </a:extLst>
-        </p:spPr>
-        <p:txBody>
-          <a:bodyPr vert="horz" wrap="square" lIns="91440" tIns="45720" rIns="91440" bIns="45720" numCol="1" anchor="t" anchorCtr="0" compatLnSpc="1">
-            <a:prstTxWarp prst="textNoShape">
-              <a:avLst/>
-            </a:prstTxWarp>
-          </a:bodyPr>
-          <a:lstStyle/>
-          <a:p>
-            <a:pPr marL="0" marR="0" lvl="0" indent="0" algn="ctr" defTabSz="914400" rtl="0" eaLnBrk="0" fontAlgn="base" latinLnBrk="0" hangingPunct="0">
-              <a:lnSpc>
-                <a:spcPct val="100000"/>
-              </a:lnSpc>
-              <a:spcBef>
-                <a:spcPct val="0"/>
-              </a:spcBef>
-              <a:spcAft>
-                <a:spcPct val="0"/>
-              </a:spcAft>
-              <a:buClrTx/>
-              <a:buSzTx/>
-              <a:buFontTx/>
-              <a:buNone/>
-              <a:tabLst/>
-            </a:pPr>
-            <a:r>
-              <a:rPr kumimoji="0" lang="en-US" altLang="en-US" sz="800" b="0" i="0" u="none" strike="noStrike" cap="none" normalizeH="0" baseline="0" dirty="0">
-                <a:ln>
-                  <a:noFill/>
-                </a:ln>
-                <a:solidFill>
-                  <a:schemeClr val="tx1"/>
-                </a:solidFill>
-                <a:effectLst/>
-                <a:latin typeface="Arial" panose="020B0604020202020204" pitchFamily="34" charset="0"/>
-                <a:ea typeface="Times New Roman" panose="02020603050405020304" pitchFamily="18" charset="0"/>
-              </a:rPr>
-              <a:t>3. Query Documents</a:t>
-            </a:r>
-            <a:endParaRPr kumimoji="0" lang="en-US" altLang="en-US" sz="1800" b="0" i="0" u="none" strike="noStrike" cap="none" normalizeH="0" baseline="0" dirty="0">
-              <a:ln>
-                <a:noFill/>
-              </a:ln>
-              <a:solidFill>
-                <a:schemeClr val="tx1"/>
-              </a:solidFill>
-              <a:effectLst/>
-              <a:latin typeface="Arial" panose="020B0604020202020204" pitchFamily="34" charset="0"/>
-            </a:endParaRPr>
-          </a:p>
-        </p:txBody>
-      </p:sp>
-      <p:sp>
-        <p:nvSpPr>
-          <p:cNvPr id="29" name="Rectangle 23">
-            <a:extLst>
-              <a:ext uri="{FF2B5EF4-FFF2-40B4-BE49-F238E27FC236}">
-                <a16:creationId xmlns:a16="http://schemas.microsoft.com/office/drawing/2014/main" id="{AFDAE6E5-4706-694E-A5C1-E86D19C7ACDD}"/>
-              </a:ext>
-            </a:extLst>
-          </p:cNvPr>
-          <p:cNvSpPr>
-            <a:spLocks noChangeArrowheads="1"/>
-          </p:cNvSpPr>
-          <p:nvPr/>
-        </p:nvSpPr>
-        <p:spPr bwMode="auto">
-          <a:xfrm>
-            <a:off x="647700" y="1126276"/>
-            <a:ext cx="120650" cy="701675"/>
-          </a:xfrm>
-          <a:prstGeom prst="rect">
-            <a:avLst/>
-          </a:prstGeom>
-          <a:solidFill>
-            <a:srgbClr val="FFFFFF"/>
-          </a:solidFill>
-          <a:ln w="9525">
-            <a:solidFill>
-              <a:srgbClr val="000000"/>
-            </a:solidFill>
-            <a:miter lim="800000"/>
-            <a:headEnd/>
-            <a:tailEnd/>
-          </a:ln>
-        </p:spPr>
-        <p:txBody>
-          <a:bodyPr vert="horz" wrap="square" lIns="91440" tIns="45720" rIns="91440" bIns="45720" numCol="1" anchor="t" anchorCtr="0" compatLnSpc="1">
-            <a:prstTxWarp prst="textNoShape">
-              <a:avLst/>
-            </a:prstTxWarp>
-          </a:bodyPr>
-          <a:lstStyle/>
-          <a:p>
-            <a:endParaRPr lang="en-US"/>
-          </a:p>
-        </p:txBody>
-      </p:sp>
+              <a:miter lim="800000"/>
+              <a:headEnd/>
+              <a:tailEnd/>
+            </a:ln>
+          </p:spPr>
+          <p:txBody>
+            <a:bodyPr vert="horz" wrap="square" lIns="91440" tIns="45720" rIns="91440" bIns="45720" numCol="1" anchor="t" anchorCtr="0" compatLnSpc="1">
+              <a:prstTxWarp prst="textNoShape">
+                <a:avLst/>
+              </a:prstTxWarp>
+            </a:bodyPr>
+            <a:lstStyle/>
+            <a:p>
+              <a:endParaRPr lang="en-US" sz="3600"/>
+            </a:p>
+          </p:txBody>
+        </p:sp>
+      </p:grpSp>
     </p:spTree>
     <p:extLst>
       <p:ext uri="{BB962C8B-B14F-4D97-AF65-F5344CB8AC3E}">
